--- a/Lesson slides/Unit 1 - Intro, array, complexity.pptx
+++ b/Lesson slides/Unit 1 - Intro, array, complexity.pptx
@@ -257,7 +257,7 @@
           <a:p>
             <a:fld id="{F314420D-16BA-4EDC-9A71-800590EAD5A3}" type="datetimeFigureOut">
               <a:rPr lang="en-GB" smtClean="0"/>
-              <a:t>17/11/2017</a:t>
+              <a:t>24/11/2017</a:t>
             </a:fld>
             <a:endParaRPr lang="en-GB"/>
           </a:p>
@@ -1532,7 +1532,7 @@
           <a:p>
             <a:fld id="{4B93BECD-770C-48FB-A9C1-CBDB20A12600}" type="datetime1">
               <a:rPr lang="en-GB" smtClean="0"/>
-              <a:t>17/11/2017</a:t>
+              <a:t>24/11/2017</a:t>
             </a:fld>
             <a:endParaRPr lang="en-GB"/>
           </a:p>
@@ -1787,7 +1787,7 @@
           <a:p>
             <a:fld id="{25DB3270-4F6C-4302-A46B-9A321CB68D60}" type="datetime1">
               <a:rPr lang="en-GB" smtClean="0"/>
-              <a:t>17/11/2017</a:t>
+              <a:t>24/11/2017</a:t>
             </a:fld>
             <a:endParaRPr lang="en-GB"/>
           </a:p>
@@ -2105,7 +2105,7 @@
           <a:p>
             <a:fld id="{98663CE6-C901-47AB-B419-379C7460D51F}" type="datetime1">
               <a:rPr lang="en-GB" smtClean="0"/>
-              <a:t>17/11/2017</a:t>
+              <a:t>24/11/2017</a:t>
             </a:fld>
             <a:endParaRPr lang="en-GB"/>
           </a:p>
@@ -2436,7 +2436,7 @@
           <a:p>
             <a:fld id="{1DCDDF76-E275-4B30-AFAF-14F2984B2FB8}" type="datetime1">
               <a:rPr lang="en-GB" smtClean="0"/>
-              <a:t>17/11/2017</a:t>
+              <a:t>24/11/2017</a:t>
             </a:fld>
             <a:endParaRPr lang="en-GB"/>
           </a:p>
@@ -2754,7 +2754,7 @@
           <a:p>
             <a:fld id="{6E234061-EA38-41AF-B643-629D5F659AFE}" type="datetime1">
               <a:rPr lang="en-GB" smtClean="0"/>
-              <a:t>17/11/2017</a:t>
+              <a:t>24/11/2017</a:t>
             </a:fld>
             <a:endParaRPr lang="en-GB"/>
           </a:p>
@@ -3145,7 +3145,7 @@
           <a:p>
             <a:fld id="{CCEFDD20-9D83-470F-A5B3-7E75B1F3D536}" type="datetime1">
               <a:rPr lang="en-GB" smtClean="0"/>
-              <a:t>17/11/2017</a:t>
+              <a:t>24/11/2017</a:t>
             </a:fld>
             <a:endParaRPr lang="en-GB"/>
           </a:p>
@@ -3319,7 +3319,7 @@
           <a:p>
             <a:fld id="{D6B28952-BD27-4D25-A8D9-1DD6551BC96A}" type="datetime1">
               <a:rPr lang="en-GB" smtClean="0"/>
-              <a:t>17/11/2017</a:t>
+              <a:t>24/11/2017</a:t>
             </a:fld>
             <a:endParaRPr lang="en-GB"/>
           </a:p>
@@ -3503,7 +3503,7 @@
           <a:p>
             <a:fld id="{11397C5C-309C-46DA-A88F-F52AAD42B2B5}" type="datetime1">
               <a:rPr lang="en-GB" smtClean="0"/>
-              <a:t>17/11/2017</a:t>
+              <a:t>24/11/2017</a:t>
             </a:fld>
             <a:endParaRPr lang="en-GB"/>
           </a:p>
@@ -3677,7 +3677,7 @@
           <a:p>
             <a:fld id="{FB7CE8BF-7BF5-49B5-9886-0E587BEB1F22}" type="datetime1">
               <a:rPr lang="en-GB" smtClean="0"/>
-              <a:t>17/11/2017</a:t>
+              <a:t>24/11/2017</a:t>
             </a:fld>
             <a:endParaRPr lang="en-GB"/>
           </a:p>
@@ -3928,7 +3928,7 @@
           <a:p>
             <a:fld id="{F20242B9-9AD0-4C79-8F19-3349C23016C6}" type="datetime1">
               <a:rPr lang="en-GB" smtClean="0"/>
-              <a:t>17/11/2017</a:t>
+              <a:t>24/11/2017</a:t>
             </a:fld>
             <a:endParaRPr lang="en-GB"/>
           </a:p>
@@ -4164,7 +4164,7 @@
           <a:p>
             <a:fld id="{6D728F72-40DE-4BC2-A22C-903AB6655AF0}" type="datetime1">
               <a:rPr lang="en-GB" smtClean="0"/>
-              <a:t>17/11/2017</a:t>
+              <a:t>24/11/2017</a:t>
             </a:fld>
             <a:endParaRPr lang="en-GB"/>
           </a:p>
@@ -4542,7 +4542,7 @@
           <a:p>
             <a:fld id="{C5E88F30-64CD-43A1-A468-6350AE18BE3C}" type="datetime1">
               <a:rPr lang="en-GB" smtClean="0"/>
-              <a:t>17/11/2017</a:t>
+              <a:t>24/11/2017</a:t>
             </a:fld>
             <a:endParaRPr lang="en-GB"/>
           </a:p>
@@ -4669,7 +4669,7 @@
           <a:p>
             <a:fld id="{9AD93EE5-D1CC-4FB2-B6DE-64F0EDFC8BE0}" type="datetime1">
               <a:rPr lang="en-GB" smtClean="0"/>
-              <a:t>17/11/2017</a:t>
+              <a:t>24/11/2017</a:t>
             </a:fld>
             <a:endParaRPr lang="en-GB"/>
           </a:p>
@@ -4768,7 +4768,7 @@
           <a:p>
             <a:fld id="{DF908FE2-3B85-469D-A37D-ABBBF18EA65E}" type="datetime1">
               <a:rPr lang="en-GB" smtClean="0"/>
-              <a:t>17/11/2017</a:t>
+              <a:t>24/11/2017</a:t>
             </a:fld>
             <a:endParaRPr lang="en-GB"/>
           </a:p>
@@ -5027,7 +5027,7 @@
           <a:p>
             <a:fld id="{53FED677-0DD9-440E-A38F-E22D8406C981}" type="datetime1">
               <a:rPr lang="en-GB" smtClean="0"/>
-              <a:t>17/11/2017</a:t>
+              <a:t>24/11/2017</a:t>
             </a:fld>
             <a:endParaRPr lang="en-GB"/>
           </a:p>
@@ -5294,7 +5294,7 @@
           <a:p>
             <a:fld id="{E09307FC-19C9-4FEB-A48E-3622E35A3A38}" type="datetime1">
               <a:rPr lang="en-GB" smtClean="0"/>
-              <a:t>17/11/2017</a:t>
+              <a:t>24/11/2017</a:t>
             </a:fld>
             <a:endParaRPr lang="en-GB"/>
           </a:p>
@@ -6043,7 +6043,7 @@
           <a:p>
             <a:fld id="{94EF5B8F-51A3-4E84-9738-FC4B9B62746B}" type="datetime1">
               <a:rPr lang="en-GB" smtClean="0"/>
-              <a:t>17/11/2017</a:t>
+              <a:t>24/11/2017</a:t>
             </a:fld>
             <a:endParaRPr lang="en-GB"/>
           </a:p>
@@ -26107,6 +26107,66 @@
           </a:p>
         </p:txBody>
       </p:sp>
+      <p:pic>
+        <p:nvPicPr>
+          <p:cNvPr id="5" name="Afbeelding 4">
+            <a:extLst>
+              <a:ext uri="{FF2B5EF4-FFF2-40B4-BE49-F238E27FC236}">
+                <a16:creationId xmlns:a16="http://schemas.microsoft.com/office/drawing/2014/main" id="{A12A0752-00C6-4EC9-8DD2-B8027658DE92}"/>
+              </a:ext>
+            </a:extLst>
+          </p:cNvPr>
+          <p:cNvPicPr>
+            <a:picLocks noChangeAspect="1"/>
+          </p:cNvPicPr>
+          <p:nvPr/>
+        </p:nvPicPr>
+        <p:blipFill>
+          <a:blip r:embed="rId2"/>
+          <a:stretch>
+            <a:fillRect/>
+          </a:stretch>
+        </p:blipFill>
+        <p:spPr>
+          <a:xfrm>
+            <a:off x="6347636" y="200767"/>
+            <a:ext cx="5485403" cy="2938773"/>
+          </a:xfrm>
+          <a:prstGeom prst="rect">
+            <a:avLst/>
+          </a:prstGeom>
+        </p:spPr>
+      </p:pic>
+      <p:pic>
+        <p:nvPicPr>
+          <p:cNvPr id="6" name="Afbeelding 5">
+            <a:extLst>
+              <a:ext uri="{FF2B5EF4-FFF2-40B4-BE49-F238E27FC236}">
+                <a16:creationId xmlns:a16="http://schemas.microsoft.com/office/drawing/2014/main" id="{8B15FC08-5AE5-4B3A-8947-BD227F1380D3}"/>
+              </a:ext>
+            </a:extLst>
+          </p:cNvPr>
+          <p:cNvPicPr>
+            <a:picLocks noChangeAspect="1"/>
+          </p:cNvPicPr>
+          <p:nvPr/>
+        </p:nvPicPr>
+        <p:blipFill>
+          <a:blip r:embed="rId3"/>
+          <a:stretch>
+            <a:fillRect/>
+          </a:stretch>
+        </p:blipFill>
+        <p:spPr>
+          <a:xfrm>
+            <a:off x="6891688" y="3369729"/>
+            <a:ext cx="4397298" cy="3309627"/>
+          </a:xfrm>
+          <a:prstGeom prst="rect">
+            <a:avLst/>
+          </a:prstGeom>
+        </p:spPr>
+      </p:pic>
     </p:spTree>
     <p:extLst>
       <p:ext uri="{BB962C8B-B14F-4D97-AF65-F5344CB8AC3E}">
@@ -26117,6 +26177,126 @@
   <p:clrMapOvr>
     <a:masterClrMapping/>
   </p:clrMapOvr>
+  <p:timing>
+    <p:tnLst>
+      <p:par>
+        <p:cTn id="1" dur="indefinite" restart="never" nodeType="tmRoot">
+          <p:childTnLst>
+            <p:seq concurrent="1" nextAc="seek">
+              <p:cTn id="2" dur="indefinite" nodeType="mainSeq">
+                <p:childTnLst>
+                  <p:par>
+                    <p:cTn id="3" fill="hold">
+                      <p:stCondLst>
+                        <p:cond delay="indefinite"/>
+                      </p:stCondLst>
+                      <p:childTnLst>
+                        <p:par>
+                          <p:cTn id="4" fill="hold">
+                            <p:stCondLst>
+                              <p:cond delay="0"/>
+                            </p:stCondLst>
+                            <p:childTnLst>
+                              <p:par>
+                                <p:cTn id="5" presetID="1" presetClass="entr" presetSubtype="0" fill="hold" nodeType="clickEffect">
+                                  <p:stCondLst>
+                                    <p:cond delay="0"/>
+                                  </p:stCondLst>
+                                  <p:childTnLst>
+                                    <p:set>
+                                      <p:cBhvr>
+                                        <p:cTn id="6" dur="1" fill="hold">
+                                          <p:stCondLst>
+                                            <p:cond delay="0"/>
+                                          </p:stCondLst>
+                                        </p:cTn>
+                                        <p:tgtEl>
+                                          <p:spTgt spid="5"/>
+                                        </p:tgtEl>
+                                        <p:attrNameLst>
+                                          <p:attrName>style.visibility</p:attrName>
+                                        </p:attrNameLst>
+                                      </p:cBhvr>
+                                      <p:to>
+                                        <p:strVal val="visible"/>
+                                      </p:to>
+                                    </p:set>
+                                  </p:childTnLst>
+                                </p:cTn>
+                              </p:par>
+                            </p:childTnLst>
+                          </p:cTn>
+                        </p:par>
+                      </p:childTnLst>
+                    </p:cTn>
+                  </p:par>
+                  <p:par>
+                    <p:cTn id="7" fill="hold">
+                      <p:stCondLst>
+                        <p:cond delay="indefinite"/>
+                      </p:stCondLst>
+                      <p:childTnLst>
+                        <p:par>
+                          <p:cTn id="8" fill="hold">
+                            <p:stCondLst>
+                              <p:cond delay="0"/>
+                            </p:stCondLst>
+                            <p:childTnLst>
+                              <p:par>
+                                <p:cTn id="9" presetID="1" presetClass="entr" presetSubtype="0" fill="hold" nodeType="clickEffect">
+                                  <p:stCondLst>
+                                    <p:cond delay="0"/>
+                                  </p:stCondLst>
+                                  <p:childTnLst>
+                                    <p:set>
+                                      <p:cBhvr>
+                                        <p:cTn id="10" dur="1" fill="hold">
+                                          <p:stCondLst>
+                                            <p:cond delay="0"/>
+                                          </p:stCondLst>
+                                        </p:cTn>
+                                        <p:tgtEl>
+                                          <p:spTgt spid="6"/>
+                                        </p:tgtEl>
+                                        <p:attrNameLst>
+                                          <p:attrName>style.visibility</p:attrName>
+                                        </p:attrNameLst>
+                                      </p:cBhvr>
+                                      <p:to>
+                                        <p:strVal val="visible"/>
+                                      </p:to>
+                                    </p:set>
+                                  </p:childTnLst>
+                                </p:cTn>
+                              </p:par>
+                            </p:childTnLst>
+                          </p:cTn>
+                        </p:par>
+                      </p:childTnLst>
+                    </p:cTn>
+                  </p:par>
+                </p:childTnLst>
+              </p:cTn>
+              <p:prevCondLst>
+                <p:cond evt="onPrev" delay="0">
+                  <p:tgtEl>
+                    <p:sldTgt/>
+                  </p:tgtEl>
+                </p:cond>
+              </p:prevCondLst>
+              <p:nextCondLst>
+                <p:cond evt="onNext" delay="0">
+                  <p:tgtEl>
+                    <p:sldTgt/>
+                  </p:tgtEl>
+                </p:cond>
+              </p:nextCondLst>
+            </p:seq>
+          </p:childTnLst>
+        </p:cTn>
+      </p:par>
+    </p:tnLst>
+  </p:timing>
 </p:sld>
 </file>
 

--- a/Lesson slides/Unit 1 - Intro, array, complexity.pptx
+++ b/Lesson slides/Unit 1 - Intro, array, complexity.pptx
@@ -5,7 +5,7 @@
     <p:sldMasterId id="2147483729" r:id="rId1"/>
   </p:sldMasterIdLst>
   <p:notesMasterIdLst>
-    <p:notesMasterId r:id="rId59"/>
+    <p:notesMasterId r:id="rId60"/>
   </p:notesMasterIdLst>
   <p:sldIdLst>
     <p:sldId id="256" r:id="rId2"/>
@@ -14,57 +14,58 @@
     <p:sldId id="310" r:id="rId5"/>
     <p:sldId id="258" r:id="rId6"/>
     <p:sldId id="333" r:id="rId7"/>
-    <p:sldId id="259" r:id="rId8"/>
-    <p:sldId id="260" r:id="rId9"/>
-    <p:sldId id="315" r:id="rId10"/>
-    <p:sldId id="261" r:id="rId11"/>
-    <p:sldId id="263" r:id="rId12"/>
-    <p:sldId id="267" r:id="rId13"/>
-    <p:sldId id="269" r:id="rId14"/>
-    <p:sldId id="268" r:id="rId15"/>
-    <p:sldId id="270" r:id="rId16"/>
-    <p:sldId id="272" r:id="rId17"/>
-    <p:sldId id="274" r:id="rId18"/>
-    <p:sldId id="331" r:id="rId19"/>
-    <p:sldId id="271" r:id="rId20"/>
-    <p:sldId id="273" r:id="rId21"/>
-    <p:sldId id="325" r:id="rId22"/>
-    <p:sldId id="326" r:id="rId23"/>
-    <p:sldId id="275" r:id="rId24"/>
-    <p:sldId id="280" r:id="rId25"/>
-    <p:sldId id="316" r:id="rId26"/>
-    <p:sldId id="262" r:id="rId27"/>
-    <p:sldId id="317" r:id="rId28"/>
-    <p:sldId id="318" r:id="rId29"/>
-    <p:sldId id="319" r:id="rId30"/>
-    <p:sldId id="320" r:id="rId31"/>
-    <p:sldId id="321" r:id="rId32"/>
-    <p:sldId id="322" r:id="rId33"/>
-    <p:sldId id="264" r:id="rId34"/>
-    <p:sldId id="283" r:id="rId35"/>
-    <p:sldId id="284" r:id="rId36"/>
-    <p:sldId id="328" r:id="rId37"/>
-    <p:sldId id="289" r:id="rId38"/>
-    <p:sldId id="286" r:id="rId39"/>
-    <p:sldId id="332" r:id="rId40"/>
-    <p:sldId id="287" r:id="rId41"/>
-    <p:sldId id="330" r:id="rId42"/>
-    <p:sldId id="288" r:id="rId43"/>
-    <p:sldId id="291" r:id="rId44"/>
-    <p:sldId id="292" r:id="rId45"/>
-    <p:sldId id="290" r:id="rId46"/>
-    <p:sldId id="293" r:id="rId47"/>
-    <p:sldId id="324" r:id="rId48"/>
-    <p:sldId id="296" r:id="rId49"/>
-    <p:sldId id="297" r:id="rId50"/>
-    <p:sldId id="298" r:id="rId51"/>
-    <p:sldId id="299" r:id="rId52"/>
-    <p:sldId id="301" r:id="rId53"/>
-    <p:sldId id="302" r:id="rId54"/>
-    <p:sldId id="303" r:id="rId55"/>
-    <p:sldId id="300" r:id="rId56"/>
-    <p:sldId id="304" r:id="rId57"/>
-    <p:sldId id="314" r:id="rId58"/>
+    <p:sldId id="334" r:id="rId8"/>
+    <p:sldId id="259" r:id="rId9"/>
+    <p:sldId id="260" r:id="rId10"/>
+    <p:sldId id="315" r:id="rId11"/>
+    <p:sldId id="261" r:id="rId12"/>
+    <p:sldId id="263" r:id="rId13"/>
+    <p:sldId id="267" r:id="rId14"/>
+    <p:sldId id="269" r:id="rId15"/>
+    <p:sldId id="268" r:id="rId16"/>
+    <p:sldId id="270" r:id="rId17"/>
+    <p:sldId id="272" r:id="rId18"/>
+    <p:sldId id="274" r:id="rId19"/>
+    <p:sldId id="331" r:id="rId20"/>
+    <p:sldId id="271" r:id="rId21"/>
+    <p:sldId id="273" r:id="rId22"/>
+    <p:sldId id="325" r:id="rId23"/>
+    <p:sldId id="326" r:id="rId24"/>
+    <p:sldId id="275" r:id="rId25"/>
+    <p:sldId id="280" r:id="rId26"/>
+    <p:sldId id="316" r:id="rId27"/>
+    <p:sldId id="262" r:id="rId28"/>
+    <p:sldId id="317" r:id="rId29"/>
+    <p:sldId id="318" r:id="rId30"/>
+    <p:sldId id="319" r:id="rId31"/>
+    <p:sldId id="320" r:id="rId32"/>
+    <p:sldId id="321" r:id="rId33"/>
+    <p:sldId id="322" r:id="rId34"/>
+    <p:sldId id="264" r:id="rId35"/>
+    <p:sldId id="283" r:id="rId36"/>
+    <p:sldId id="284" r:id="rId37"/>
+    <p:sldId id="328" r:id="rId38"/>
+    <p:sldId id="289" r:id="rId39"/>
+    <p:sldId id="286" r:id="rId40"/>
+    <p:sldId id="332" r:id="rId41"/>
+    <p:sldId id="287" r:id="rId42"/>
+    <p:sldId id="330" r:id="rId43"/>
+    <p:sldId id="288" r:id="rId44"/>
+    <p:sldId id="291" r:id="rId45"/>
+    <p:sldId id="292" r:id="rId46"/>
+    <p:sldId id="290" r:id="rId47"/>
+    <p:sldId id="293" r:id="rId48"/>
+    <p:sldId id="324" r:id="rId49"/>
+    <p:sldId id="296" r:id="rId50"/>
+    <p:sldId id="297" r:id="rId51"/>
+    <p:sldId id="298" r:id="rId52"/>
+    <p:sldId id="299" r:id="rId53"/>
+    <p:sldId id="301" r:id="rId54"/>
+    <p:sldId id="302" r:id="rId55"/>
+    <p:sldId id="303" r:id="rId56"/>
+    <p:sldId id="300" r:id="rId57"/>
+    <p:sldId id="304" r:id="rId58"/>
+    <p:sldId id="314" r:id="rId59"/>
   </p:sldIdLst>
   <p:sldSz cx="12192000" cy="6858000"/>
   <p:notesSz cx="6858000" cy="9144000"/>
@@ -171,10 +172,6 @@
 </p:presentation>
 </file>
 
-<file path=ppt/revisionInfo.xml><?xml version="1.0" encoding="utf-8"?>
-<p1510:revInfo xmlns:a="http://schemas.openxmlformats.org/drawingml/2006/main" xmlns:r="http://schemas.openxmlformats.org/officeDocument/2006/relationships" xmlns:p1510="http://schemas.microsoft.com/office/powerpoint/2015/10/main"/>
-</file>
-
 <file path=ppt/notesMasters/notesMaster1.xml><?xml version="1.0" encoding="utf-8"?>
 <p:notesMaster xmlns:a="http://schemas.openxmlformats.org/drawingml/2006/main" xmlns:r="http://schemas.openxmlformats.org/officeDocument/2006/relationships" xmlns:p="http://schemas.openxmlformats.org/presentationml/2006/main">
   <p:cSld>
@@ -257,7 +254,7 @@
           <a:p>
             <a:fld id="{F314420D-16BA-4EDC-9A71-800590EAD5A3}" type="datetimeFigureOut">
               <a:rPr lang="en-GB" smtClean="0"/>
-              <a:t>24/11/2017</a:t>
+              <a:t>22/11/2018</a:t>
             </a:fld>
             <a:endParaRPr lang="en-GB"/>
           </a:p>
@@ -694,7 +691,7 @@
           <a:p>
             <a:fld id="{29573B9A-66FB-4A63-BCD5-E140B9429FD2}" type="slidenum">
               <a:rPr lang="en-GB" smtClean="0"/>
-              <a:t>28</a:t>
+              <a:t>29</a:t>
             </a:fld>
             <a:endParaRPr lang="en-GB"/>
           </a:p>
@@ -787,7 +784,7 @@
           <a:p>
             <a:fld id="{29573B9A-66FB-4A63-BCD5-E140B9429FD2}" type="slidenum">
               <a:rPr lang="en-GB" smtClean="0"/>
-              <a:t>33</a:t>
+              <a:t>34</a:t>
             </a:fld>
             <a:endParaRPr lang="en-GB"/>
           </a:p>
@@ -1532,7 +1529,7 @@
           <a:p>
             <a:fld id="{4B93BECD-770C-48FB-A9C1-CBDB20A12600}" type="datetime1">
               <a:rPr lang="en-GB" smtClean="0"/>
-              <a:t>24/11/2017</a:t>
+              <a:t>22/11/2018</a:t>
             </a:fld>
             <a:endParaRPr lang="en-GB"/>
           </a:p>
@@ -1787,7 +1784,7 @@
           <a:p>
             <a:fld id="{25DB3270-4F6C-4302-A46B-9A321CB68D60}" type="datetime1">
               <a:rPr lang="en-GB" smtClean="0"/>
-              <a:t>24/11/2017</a:t>
+              <a:t>22/11/2018</a:t>
             </a:fld>
             <a:endParaRPr lang="en-GB"/>
           </a:p>
@@ -2105,7 +2102,7 @@
           <a:p>
             <a:fld id="{98663CE6-C901-47AB-B419-379C7460D51F}" type="datetime1">
               <a:rPr lang="en-GB" smtClean="0"/>
-              <a:t>24/11/2017</a:t>
+              <a:t>22/11/2018</a:t>
             </a:fld>
             <a:endParaRPr lang="en-GB"/>
           </a:p>
@@ -2436,7 +2433,7 @@
           <a:p>
             <a:fld id="{1DCDDF76-E275-4B30-AFAF-14F2984B2FB8}" type="datetime1">
               <a:rPr lang="en-GB" smtClean="0"/>
-              <a:t>24/11/2017</a:t>
+              <a:t>22/11/2018</a:t>
             </a:fld>
             <a:endParaRPr lang="en-GB"/>
           </a:p>
@@ -2754,7 +2751,7 @@
           <a:p>
             <a:fld id="{6E234061-EA38-41AF-B643-629D5F659AFE}" type="datetime1">
               <a:rPr lang="en-GB" smtClean="0"/>
-              <a:t>24/11/2017</a:t>
+              <a:t>22/11/2018</a:t>
             </a:fld>
             <a:endParaRPr lang="en-GB"/>
           </a:p>
@@ -3145,7 +3142,7 @@
           <a:p>
             <a:fld id="{CCEFDD20-9D83-470F-A5B3-7E75B1F3D536}" type="datetime1">
               <a:rPr lang="en-GB" smtClean="0"/>
-              <a:t>24/11/2017</a:t>
+              <a:t>22/11/2018</a:t>
             </a:fld>
             <a:endParaRPr lang="en-GB"/>
           </a:p>
@@ -3319,7 +3316,7 @@
           <a:p>
             <a:fld id="{D6B28952-BD27-4D25-A8D9-1DD6551BC96A}" type="datetime1">
               <a:rPr lang="en-GB" smtClean="0"/>
-              <a:t>24/11/2017</a:t>
+              <a:t>22/11/2018</a:t>
             </a:fld>
             <a:endParaRPr lang="en-GB"/>
           </a:p>
@@ -3503,7 +3500,7 @@
           <a:p>
             <a:fld id="{11397C5C-309C-46DA-A88F-F52AAD42B2B5}" type="datetime1">
               <a:rPr lang="en-GB" smtClean="0"/>
-              <a:t>24/11/2017</a:t>
+              <a:t>22/11/2018</a:t>
             </a:fld>
             <a:endParaRPr lang="en-GB"/>
           </a:p>
@@ -3677,7 +3674,7 @@
           <a:p>
             <a:fld id="{FB7CE8BF-7BF5-49B5-9886-0E587BEB1F22}" type="datetime1">
               <a:rPr lang="en-GB" smtClean="0"/>
-              <a:t>24/11/2017</a:t>
+              <a:t>22/11/2018</a:t>
             </a:fld>
             <a:endParaRPr lang="en-GB"/>
           </a:p>
@@ -3928,7 +3925,7 @@
           <a:p>
             <a:fld id="{F20242B9-9AD0-4C79-8F19-3349C23016C6}" type="datetime1">
               <a:rPr lang="en-GB" smtClean="0"/>
-              <a:t>24/11/2017</a:t>
+              <a:t>22/11/2018</a:t>
             </a:fld>
             <a:endParaRPr lang="en-GB"/>
           </a:p>
@@ -4164,7 +4161,7 @@
           <a:p>
             <a:fld id="{6D728F72-40DE-4BC2-A22C-903AB6655AF0}" type="datetime1">
               <a:rPr lang="en-GB" smtClean="0"/>
-              <a:t>24/11/2017</a:t>
+              <a:t>22/11/2018</a:t>
             </a:fld>
             <a:endParaRPr lang="en-GB"/>
           </a:p>
@@ -4542,7 +4539,7 @@
           <a:p>
             <a:fld id="{C5E88F30-64CD-43A1-A468-6350AE18BE3C}" type="datetime1">
               <a:rPr lang="en-GB" smtClean="0"/>
-              <a:t>24/11/2017</a:t>
+              <a:t>22/11/2018</a:t>
             </a:fld>
             <a:endParaRPr lang="en-GB"/>
           </a:p>
@@ -4669,7 +4666,7 @@
           <a:p>
             <a:fld id="{9AD93EE5-D1CC-4FB2-B6DE-64F0EDFC8BE0}" type="datetime1">
               <a:rPr lang="en-GB" smtClean="0"/>
-              <a:t>24/11/2017</a:t>
+              <a:t>22/11/2018</a:t>
             </a:fld>
             <a:endParaRPr lang="en-GB"/>
           </a:p>
@@ -4768,7 +4765,7 @@
           <a:p>
             <a:fld id="{DF908FE2-3B85-469D-A37D-ABBBF18EA65E}" type="datetime1">
               <a:rPr lang="en-GB" smtClean="0"/>
-              <a:t>24/11/2017</a:t>
+              <a:t>22/11/2018</a:t>
             </a:fld>
             <a:endParaRPr lang="en-GB"/>
           </a:p>
@@ -5027,7 +5024,7 @@
           <a:p>
             <a:fld id="{53FED677-0DD9-440E-A38F-E22D8406C981}" type="datetime1">
               <a:rPr lang="en-GB" smtClean="0"/>
-              <a:t>24/11/2017</a:t>
+              <a:t>22/11/2018</a:t>
             </a:fld>
             <a:endParaRPr lang="en-GB"/>
           </a:p>
@@ -5294,7 +5291,7 @@
           <a:p>
             <a:fld id="{E09307FC-19C9-4FEB-A48E-3622E35A3A38}" type="datetime1">
               <a:rPr lang="en-GB" smtClean="0"/>
-              <a:t>24/11/2017</a:t>
+              <a:t>22/11/2018</a:t>
             </a:fld>
             <a:endParaRPr lang="en-GB"/>
           </a:p>
@@ -6043,7 +6040,7 @@
           <a:p>
             <a:fld id="{94EF5B8F-51A3-4E84-9738-FC4B9B62746B}" type="datetime1">
               <a:rPr lang="en-GB" smtClean="0"/>
-              <a:t>24/11/2017</a:t>
+              <a:t>22/11/2018</a:t>
             </a:fld>
             <a:endParaRPr lang="en-GB"/>
           </a:p>
@@ -6706,6 +6703,193 @@
       </p:grpSpPr>
       <p:sp>
         <p:nvSpPr>
+          <p:cNvPr id="2" name="Titel 1"/>
+          <p:cNvSpPr>
+            <a:spLocks noGrp="1"/>
+          </p:cNvSpPr>
+          <p:nvPr>
+            <p:ph type="title"/>
+          </p:nvPr>
+        </p:nvSpPr>
+        <p:spPr/>
+        <p:txBody>
+          <a:bodyPr/>
+          <a:lstStyle/>
+          <a:p>
+            <a:r>
+              <a:rPr lang="nl-NL" dirty="0"/>
+              <a:t>More </a:t>
+            </a:r>
+            <a:r>
+              <a:rPr lang="nl-NL" dirty="0" err="1"/>
+              <a:t>detailed</a:t>
+            </a:r>
+            <a:r>
+              <a:rPr lang="nl-NL" dirty="0"/>
+              <a:t> agenda</a:t>
+            </a:r>
+          </a:p>
+        </p:txBody>
+      </p:sp>
+      <p:sp>
+        <p:nvSpPr>
+          <p:cNvPr id="3" name="Tijdelijke aanduiding voor inhoud 2"/>
+          <p:cNvSpPr>
+            <a:spLocks noGrp="1"/>
+          </p:cNvSpPr>
+          <p:nvPr>
+            <p:ph idx="1"/>
+          </p:nvPr>
+        </p:nvSpPr>
+        <p:spPr/>
+        <p:txBody>
+          <a:bodyPr/>
+          <a:lstStyle/>
+          <a:p>
+            <a:r>
+              <a:rPr lang="nl-NL" dirty="0"/>
+              <a:t>Intro</a:t>
+            </a:r>
+          </a:p>
+          <a:p>
+            <a:pPr lvl="1"/>
+            <a:r>
+              <a:rPr lang="nl-NL" dirty="0" err="1"/>
+              <a:t>Recap</a:t>
+            </a:r>
+            <a:r>
+              <a:rPr lang="nl-NL" dirty="0"/>
+              <a:t> on arrays </a:t>
+            </a:r>
+          </a:p>
+          <a:p>
+            <a:pPr lvl="1"/>
+            <a:r>
+              <a:rPr lang="nl-NL" dirty="0" err="1"/>
+              <a:t>Our</a:t>
+            </a:r>
+            <a:r>
+              <a:rPr lang="nl-NL" dirty="0"/>
+              <a:t> first (</a:t>
+            </a:r>
+            <a:r>
+              <a:rPr lang="nl-NL" dirty="0" err="1"/>
+              <a:t>simple</a:t>
+            </a:r>
+            <a:r>
+              <a:rPr lang="nl-NL" dirty="0"/>
+              <a:t>) </a:t>
+            </a:r>
+            <a:r>
+              <a:rPr lang="nl-NL" dirty="0" err="1"/>
+              <a:t>algorithms</a:t>
+            </a:r>
+            <a:r>
+              <a:rPr lang="nl-NL" dirty="0"/>
+              <a:t>, operating on arrays</a:t>
+            </a:r>
+          </a:p>
+          <a:p>
+            <a:r>
+              <a:rPr lang="nl-NL" dirty="0"/>
+              <a:t>How </a:t>
+            </a:r>
+            <a:r>
+              <a:rPr lang="nl-NL" dirty="0" err="1"/>
+              <a:t>to</a:t>
+            </a:r>
+            <a:r>
+              <a:rPr lang="nl-NL" dirty="0"/>
+              <a:t> </a:t>
+            </a:r>
+            <a:r>
+              <a:rPr lang="nl-NL" dirty="0" err="1"/>
+              <a:t>measure</a:t>
+            </a:r>
+            <a:r>
+              <a:rPr lang="nl-NL" dirty="0"/>
+              <a:t> performance</a:t>
+            </a:r>
+          </a:p>
+          <a:p>
+            <a:pPr lvl="1"/>
+            <a:r>
+              <a:rPr lang="nl-NL" dirty="0" err="1"/>
+              <a:t>Empirical</a:t>
+            </a:r>
+            <a:r>
+              <a:rPr lang="nl-NL" dirty="0"/>
+              <a:t> analysis</a:t>
+            </a:r>
+          </a:p>
+          <a:p>
+            <a:pPr lvl="1"/>
+            <a:r>
+              <a:rPr lang="nl-NL" dirty="0" err="1"/>
+              <a:t>Complexity</a:t>
+            </a:r>
+            <a:r>
+              <a:rPr lang="nl-NL" dirty="0"/>
+              <a:t> analysis</a:t>
+            </a:r>
+          </a:p>
+        </p:txBody>
+      </p:sp>
+      <p:sp>
+        <p:nvSpPr>
+          <p:cNvPr id="4" name="Tijdelijke aanduiding voor voettekst 3"/>
+          <p:cNvSpPr>
+            <a:spLocks noGrp="1"/>
+          </p:cNvSpPr>
+          <p:nvPr>
+            <p:ph type="ftr" sz="quarter" idx="11"/>
+          </p:nvPr>
+        </p:nvSpPr>
+        <p:spPr/>
+        <p:txBody>
+          <a:bodyPr/>
+          <a:lstStyle/>
+          <a:p>
+            <a:r>
+              <a:rPr lang="it-IT"/>
+              <a:t>INFDEV036A - G. Costantini, F. Di Giacomo</a:t>
+            </a:r>
+            <a:endParaRPr lang="en-GB"/>
+          </a:p>
+        </p:txBody>
+      </p:sp>
+    </p:spTree>
+    <p:extLst>
+      <p:ext uri="{BB962C8B-B14F-4D97-AF65-F5344CB8AC3E}">
+        <p14:creationId xmlns:p14="http://schemas.microsoft.com/office/powerpoint/2010/main" val="553652381"/>
+      </p:ext>
+    </p:extLst>
+  </p:cSld>
+  <p:clrMapOvr>
+    <a:masterClrMapping/>
+  </p:clrMapOvr>
+</p:sld>
+</file>
+
+<file path=ppt/slides/slide11.xml><?xml version="1.0" encoding="utf-8"?>
+<p:sld xmlns:a="http://schemas.openxmlformats.org/drawingml/2006/main" xmlns:r="http://schemas.openxmlformats.org/officeDocument/2006/relationships" xmlns:p="http://schemas.openxmlformats.org/presentationml/2006/main">
+  <p:cSld>
+    <p:spTree>
+      <p:nvGrpSpPr>
+        <p:cNvPr id="1" name=""/>
+        <p:cNvGrpSpPr/>
+        <p:nvPr/>
+      </p:nvGrpSpPr>
+      <p:grpSpPr>
+        <a:xfrm>
+          <a:off x="0" y="0"/>
+          <a:ext cx="0" cy="0"/>
+          <a:chOff x="0" y="0"/>
+          <a:chExt cx="0" cy="0"/>
+        </a:xfrm>
+      </p:grpSpPr>
+      <p:sp>
+        <p:nvSpPr>
           <p:cNvPr id="2" name="Title 1"/>
           <p:cNvSpPr>
             <a:spLocks noGrp="1"/>
@@ -6766,7 +6950,7 @@
 </p:sld>
 </file>
 
-<file path=ppt/slides/slide11.xml><?xml version="1.0" encoding="utf-8"?>
+<file path=ppt/slides/slide12.xml><?xml version="1.0" encoding="utf-8"?>
 <p:sld xmlns:a="http://schemas.openxmlformats.org/drawingml/2006/main" xmlns:r="http://schemas.openxmlformats.org/officeDocument/2006/relationships" xmlns:p="http://schemas.openxmlformats.org/presentationml/2006/main">
   <p:cSld>
     <p:spTree>
@@ -8713,7 +8897,7 @@
 </p:sld>
 </file>
 
-<file path=ppt/slides/slide12.xml><?xml version="1.0" encoding="utf-8"?>
+<file path=ppt/slides/slide13.xml><?xml version="1.0" encoding="utf-8"?>
 <p:sld xmlns:a="http://schemas.openxmlformats.org/drawingml/2006/main" xmlns:r="http://schemas.openxmlformats.org/officeDocument/2006/relationships" xmlns:p="http://schemas.openxmlformats.org/presentationml/2006/main">
   <p:cSld>
     <p:spTree>
@@ -8900,7 +9084,7 @@
 </p:sld>
 </file>
 
-<file path=ppt/slides/slide13.xml><?xml version="1.0" encoding="utf-8"?>
+<file path=ppt/slides/slide14.xml><?xml version="1.0" encoding="utf-8"?>
 <p:sld xmlns:a="http://schemas.openxmlformats.org/drawingml/2006/main" xmlns:r="http://schemas.openxmlformats.org/officeDocument/2006/relationships" xmlns:p="http://schemas.openxmlformats.org/presentationml/2006/main">
   <p:cSld>
     <p:spTree>
@@ -9613,7 +9797,7 @@
 </p:sld>
 </file>
 
-<file path=ppt/slides/slide14.xml><?xml version="1.0" encoding="utf-8"?>
+<file path=ppt/slides/slide15.xml><?xml version="1.0" encoding="utf-8"?>
 <p:sld xmlns:a="http://schemas.openxmlformats.org/drawingml/2006/main" xmlns:r="http://schemas.openxmlformats.org/officeDocument/2006/relationships" xmlns:p="http://schemas.openxmlformats.org/presentationml/2006/main">
   <p:cSld>
     <p:spTree>
@@ -10095,7 +10279,7 @@
 </p:sld>
 </file>
 
-<file path=ppt/slides/slide15.xml><?xml version="1.0" encoding="utf-8"?>
+<file path=ppt/slides/slide16.xml><?xml version="1.0" encoding="utf-8"?>
 <p:sld xmlns:a="http://schemas.openxmlformats.org/drawingml/2006/main" xmlns:r="http://schemas.openxmlformats.org/officeDocument/2006/relationships" xmlns:p="http://schemas.openxmlformats.org/presentationml/2006/main">
   <p:cSld>
     <p:spTree>
@@ -10357,7 +10541,7 @@
 </p:sld>
 </file>
 
-<file path=ppt/slides/slide16.xml><?xml version="1.0" encoding="utf-8"?>
+<file path=ppt/slides/slide17.xml><?xml version="1.0" encoding="utf-8"?>
 <p:sld xmlns:a="http://schemas.openxmlformats.org/drawingml/2006/main" xmlns:r="http://schemas.openxmlformats.org/officeDocument/2006/relationships" xmlns:p="http://schemas.openxmlformats.org/presentationml/2006/main">
   <p:cSld>
     <p:spTree>
@@ -10606,7 +10790,7 @@
 </p:sld>
 </file>
 
-<file path=ppt/slides/slide17.xml><?xml version="1.0" encoding="utf-8"?>
+<file path=ppt/slides/slide18.xml><?xml version="1.0" encoding="utf-8"?>
 <p:sld xmlns:a="http://schemas.openxmlformats.org/drawingml/2006/main" xmlns:r="http://schemas.openxmlformats.org/officeDocument/2006/relationships" xmlns:p="http://schemas.openxmlformats.org/presentationml/2006/main">
   <p:cSld>
     <p:spTree>
@@ -11024,7 +11208,7 @@
 </p:sld>
 </file>
 
-<file path=ppt/slides/slide18.xml><?xml version="1.0" encoding="utf-8"?>
+<file path=ppt/slides/slide19.xml><?xml version="1.0" encoding="utf-8"?>
 <p:sld xmlns:a="http://schemas.openxmlformats.org/drawingml/2006/main" xmlns:r="http://schemas.openxmlformats.org/officeDocument/2006/relationships" xmlns:p="http://schemas.openxmlformats.org/presentationml/2006/main">
   <p:cSld>
     <p:spTree>
@@ -11694,149 +11878,6 @@
 </p:sld>
 </file>
 
-<file path=ppt/slides/slide19.xml><?xml version="1.0" encoding="utf-8"?>
-<p:sld xmlns:a="http://schemas.openxmlformats.org/drawingml/2006/main" xmlns:r="http://schemas.openxmlformats.org/officeDocument/2006/relationships" xmlns:p="http://schemas.openxmlformats.org/presentationml/2006/main">
-  <p:cSld>
-    <p:spTree>
-      <p:nvGrpSpPr>
-        <p:cNvPr id="1" name=""/>
-        <p:cNvGrpSpPr/>
-        <p:nvPr/>
-      </p:nvGrpSpPr>
-      <p:grpSpPr>
-        <a:xfrm>
-          <a:off x="0" y="0"/>
-          <a:ext cx="0" cy="0"/>
-          <a:chOff x="0" y="0"/>
-          <a:chExt cx="0" cy="0"/>
-        </a:xfrm>
-      </p:grpSpPr>
-      <p:sp>
-        <p:nvSpPr>
-          <p:cNvPr id="2" name="Title 1"/>
-          <p:cNvSpPr>
-            <a:spLocks noGrp="1"/>
-          </p:cNvSpPr>
-          <p:nvPr>
-            <p:ph type="title"/>
-          </p:nvPr>
-        </p:nvSpPr>
-        <p:spPr/>
-        <p:txBody>
-          <a:bodyPr/>
-          <a:lstStyle/>
-          <a:p>
-            <a:r>
-              <a:rPr lang="en-GB" dirty="0"/>
-              <a:t>Array – Binary search</a:t>
-            </a:r>
-          </a:p>
-        </p:txBody>
-      </p:sp>
-      <p:sp>
-        <p:nvSpPr>
-          <p:cNvPr id="3" name="Content Placeholder 2"/>
-          <p:cNvSpPr>
-            <a:spLocks noGrp="1"/>
-          </p:cNvSpPr>
-          <p:nvPr>
-            <p:ph idx="1"/>
-          </p:nvPr>
-        </p:nvSpPr>
-        <p:spPr/>
-        <p:txBody>
-          <a:bodyPr/>
-          <a:lstStyle/>
-          <a:p>
-            <a:r>
-              <a:rPr lang="en-GB" dirty="0"/>
-              <a:t>Standard search algorithm for a </a:t>
-            </a:r>
-            <a:r>
-              <a:rPr lang="en-GB" b="1" dirty="0"/>
-              <a:t>SORTED</a:t>
-            </a:r>
-            <a:r>
-              <a:rPr lang="en-GB" dirty="0"/>
-              <a:t> sequence</a:t>
-            </a:r>
-          </a:p>
-          <a:p>
-            <a:pPr lvl="1"/>
-            <a:r>
-              <a:rPr lang="en-GB" dirty="0"/>
-              <a:t>More efficient than sequential search </a:t>
-            </a:r>
-          </a:p>
-          <a:p>
-            <a:pPr lvl="1"/>
-            <a:r>
-              <a:rPr lang="en-GB" dirty="0"/>
-              <a:t>Requires the order of elements</a:t>
-            </a:r>
-          </a:p>
-          <a:p>
-            <a:pPr lvl="1"/>
-            <a:endParaRPr lang="en-GB" dirty="0"/>
-          </a:p>
-          <a:p>
-            <a:pPr lvl="1"/>
-            <a:endParaRPr lang="en-GB" dirty="0"/>
-          </a:p>
-          <a:p>
-            <a:r>
-              <a:rPr lang="en-GB" dirty="0"/>
-              <a:t>Basic idea: divide the sequence in two and focus on the half which could contain the element</a:t>
-            </a:r>
-          </a:p>
-          <a:p>
-            <a:pPr lvl="1"/>
-            <a:r>
-              <a:rPr lang="en-GB" dirty="0"/>
-              <a:t>Application example: looking up a word in a dictionary</a:t>
-            </a:r>
-          </a:p>
-          <a:p>
-            <a:endParaRPr lang="en-GB" dirty="0"/>
-          </a:p>
-        </p:txBody>
-      </p:sp>
-      <p:sp>
-        <p:nvSpPr>
-          <p:cNvPr id="4" name="Footer Placeholder 3"/>
-          <p:cNvSpPr>
-            <a:spLocks noGrp="1"/>
-          </p:cNvSpPr>
-          <p:nvPr>
-            <p:ph type="ftr" sz="quarter" idx="11"/>
-          </p:nvPr>
-        </p:nvSpPr>
-        <p:spPr/>
-        <p:txBody>
-          <a:bodyPr/>
-          <a:lstStyle/>
-          <a:p>
-            <a:r>
-              <a:rPr lang="it-IT"/>
-              <a:t>INFDEV036A - G. Costantini, F. Di Giacomo</a:t>
-            </a:r>
-            <a:endParaRPr lang="en-GB"/>
-          </a:p>
-        </p:txBody>
-      </p:sp>
-    </p:spTree>
-    <p:extLst>
-      <p:ext uri="{BB962C8B-B14F-4D97-AF65-F5344CB8AC3E}">
-        <p14:creationId xmlns:p14="http://schemas.microsoft.com/office/powerpoint/2010/main" val="3078816361"/>
-      </p:ext>
-    </p:extLst>
-  </p:cSld>
-  <p:clrMapOvr>
-    <a:masterClrMapping/>
-  </p:clrMapOvr>
-</p:sld>
-</file>
-
 <file path=ppt/slides/slide2.xml><?xml version="1.0" encoding="utf-8"?>
 <p:sld xmlns:a="http://schemas.openxmlformats.org/drawingml/2006/main" xmlns:r="http://schemas.openxmlformats.org/officeDocument/2006/relationships" xmlns:p="http://schemas.openxmlformats.org/presentationml/2006/main">
   <p:cSld>
@@ -12295,6 +12336,149 @@
             <p:ph idx="1"/>
           </p:nvPr>
         </p:nvSpPr>
+        <p:spPr/>
+        <p:txBody>
+          <a:bodyPr/>
+          <a:lstStyle/>
+          <a:p>
+            <a:r>
+              <a:rPr lang="en-GB" dirty="0"/>
+              <a:t>Standard search algorithm for a </a:t>
+            </a:r>
+            <a:r>
+              <a:rPr lang="en-GB" b="1" dirty="0"/>
+              <a:t>SORTED</a:t>
+            </a:r>
+            <a:r>
+              <a:rPr lang="en-GB" dirty="0"/>
+              <a:t> sequence</a:t>
+            </a:r>
+          </a:p>
+          <a:p>
+            <a:pPr lvl="1"/>
+            <a:r>
+              <a:rPr lang="en-GB" dirty="0"/>
+              <a:t>More efficient than sequential search </a:t>
+            </a:r>
+          </a:p>
+          <a:p>
+            <a:pPr lvl="1"/>
+            <a:r>
+              <a:rPr lang="en-GB" dirty="0"/>
+              <a:t>Requires the order of elements</a:t>
+            </a:r>
+          </a:p>
+          <a:p>
+            <a:pPr lvl="1"/>
+            <a:endParaRPr lang="en-GB" dirty="0"/>
+          </a:p>
+          <a:p>
+            <a:pPr lvl="1"/>
+            <a:endParaRPr lang="en-GB" dirty="0"/>
+          </a:p>
+          <a:p>
+            <a:r>
+              <a:rPr lang="en-GB" dirty="0"/>
+              <a:t>Basic idea: divide the sequence in two and focus on the half which could contain the element</a:t>
+            </a:r>
+          </a:p>
+          <a:p>
+            <a:pPr lvl="1"/>
+            <a:r>
+              <a:rPr lang="en-GB" dirty="0"/>
+              <a:t>Application example: looking up a word in a dictionary</a:t>
+            </a:r>
+          </a:p>
+          <a:p>
+            <a:endParaRPr lang="en-GB" dirty="0"/>
+          </a:p>
+        </p:txBody>
+      </p:sp>
+      <p:sp>
+        <p:nvSpPr>
+          <p:cNvPr id="4" name="Footer Placeholder 3"/>
+          <p:cNvSpPr>
+            <a:spLocks noGrp="1"/>
+          </p:cNvSpPr>
+          <p:nvPr>
+            <p:ph type="ftr" sz="quarter" idx="11"/>
+          </p:nvPr>
+        </p:nvSpPr>
+        <p:spPr/>
+        <p:txBody>
+          <a:bodyPr/>
+          <a:lstStyle/>
+          <a:p>
+            <a:r>
+              <a:rPr lang="it-IT"/>
+              <a:t>INFDEV036A - G. Costantini, F. Di Giacomo</a:t>
+            </a:r>
+            <a:endParaRPr lang="en-GB"/>
+          </a:p>
+        </p:txBody>
+      </p:sp>
+    </p:spTree>
+    <p:extLst>
+      <p:ext uri="{BB962C8B-B14F-4D97-AF65-F5344CB8AC3E}">
+        <p14:creationId xmlns:p14="http://schemas.microsoft.com/office/powerpoint/2010/main" val="3078816361"/>
+      </p:ext>
+    </p:extLst>
+  </p:cSld>
+  <p:clrMapOvr>
+    <a:masterClrMapping/>
+  </p:clrMapOvr>
+</p:sld>
+</file>
+
+<file path=ppt/slides/slide21.xml><?xml version="1.0" encoding="utf-8"?>
+<p:sld xmlns:a="http://schemas.openxmlformats.org/drawingml/2006/main" xmlns:r="http://schemas.openxmlformats.org/officeDocument/2006/relationships" xmlns:p="http://schemas.openxmlformats.org/presentationml/2006/main">
+  <p:cSld>
+    <p:spTree>
+      <p:nvGrpSpPr>
+        <p:cNvPr id="1" name=""/>
+        <p:cNvGrpSpPr/>
+        <p:nvPr/>
+      </p:nvGrpSpPr>
+      <p:grpSpPr>
+        <a:xfrm>
+          <a:off x="0" y="0"/>
+          <a:ext cx="0" cy="0"/>
+          <a:chOff x="0" y="0"/>
+          <a:chExt cx="0" cy="0"/>
+        </a:xfrm>
+      </p:grpSpPr>
+      <p:sp>
+        <p:nvSpPr>
+          <p:cNvPr id="2" name="Title 1"/>
+          <p:cNvSpPr>
+            <a:spLocks noGrp="1"/>
+          </p:cNvSpPr>
+          <p:nvPr>
+            <p:ph type="title"/>
+          </p:nvPr>
+        </p:nvSpPr>
+        <p:spPr/>
+        <p:txBody>
+          <a:bodyPr/>
+          <a:lstStyle/>
+          <a:p>
+            <a:r>
+              <a:rPr lang="en-GB" dirty="0"/>
+              <a:t>Array – Binary search</a:t>
+            </a:r>
+          </a:p>
+        </p:txBody>
+      </p:sp>
+      <p:sp>
+        <p:nvSpPr>
+          <p:cNvPr id="3" name="Content Placeholder 2"/>
+          <p:cNvSpPr>
+            <a:spLocks noGrp="1"/>
+          </p:cNvSpPr>
+          <p:nvPr>
+            <p:ph idx="1"/>
+          </p:nvPr>
+        </p:nvSpPr>
         <p:spPr>
           <a:xfrm>
             <a:off x="677334" y="2160588"/>
@@ -12668,7 +12852,7 @@
 </p:sld>
 </file>
 
-<file path=ppt/slides/slide21.xml><?xml version="1.0" encoding="utf-8"?>
+<file path=ppt/slides/slide22.xml><?xml version="1.0" encoding="utf-8"?>
 <p:sld xmlns:a="http://schemas.openxmlformats.org/drawingml/2006/main" xmlns:r="http://schemas.openxmlformats.org/officeDocument/2006/relationships" xmlns:p="http://schemas.openxmlformats.org/presentationml/2006/main">
   <p:cSld>
     <p:spTree>
@@ -13177,7 +13361,7 @@
 </p:sld>
 </file>
 
-<file path=ppt/slides/slide22.xml><?xml version="1.0" encoding="utf-8"?>
+<file path=ppt/slides/slide23.xml><?xml version="1.0" encoding="utf-8"?>
 <p:sld xmlns:a="http://schemas.openxmlformats.org/drawingml/2006/main" xmlns:r="http://schemas.openxmlformats.org/officeDocument/2006/relationships" xmlns:p="http://schemas.openxmlformats.org/presentationml/2006/main">
   <p:cSld>
     <p:spTree>
@@ -13686,7 +13870,7 @@
 </p:sld>
 </file>
 
-<file path=ppt/slides/slide23.xml><?xml version="1.0" encoding="utf-8"?>
+<file path=ppt/slides/slide24.xml><?xml version="1.0" encoding="utf-8"?>
 <p:sld xmlns:a="http://schemas.openxmlformats.org/drawingml/2006/main" xmlns:r="http://schemas.openxmlformats.org/officeDocument/2006/relationships" xmlns:p="http://schemas.openxmlformats.org/presentationml/2006/main">
   <p:cSld>
     <p:spTree>
@@ -14123,7 +14307,7 @@
 </p:sld>
 </file>
 
-<file path=ppt/slides/slide24.xml><?xml version="1.0" encoding="utf-8"?>
+<file path=ppt/slides/slide25.xml><?xml version="1.0" encoding="utf-8"?>
 <p:sld xmlns:a="http://schemas.openxmlformats.org/drawingml/2006/main" xmlns:r="http://schemas.openxmlformats.org/officeDocument/2006/relationships" xmlns:p="http://schemas.openxmlformats.org/presentationml/2006/main">
   <p:cSld>
     <p:spTree>
@@ -14258,7 +14442,7 @@
 </p:sld>
 </file>
 
-<file path=ppt/slides/slide25.xml><?xml version="1.0" encoding="utf-8"?>
+<file path=ppt/slides/slide26.xml><?xml version="1.0" encoding="utf-8"?>
 <p:sld xmlns:a="http://schemas.openxmlformats.org/drawingml/2006/main" xmlns:r="http://schemas.openxmlformats.org/officeDocument/2006/relationships" xmlns:p="http://schemas.openxmlformats.org/presentationml/2006/main">
   <p:cSld>
     <p:spTree>
@@ -14354,7 +14538,7 @@
 </p:sld>
 </file>
 
-<file path=ppt/slides/slide26.xml><?xml version="1.0" encoding="utf-8"?>
+<file path=ppt/slides/slide27.xml><?xml version="1.0" encoding="utf-8"?>
 <p:sld xmlns:a="http://schemas.openxmlformats.org/drawingml/2006/main" xmlns:r="http://schemas.openxmlformats.org/officeDocument/2006/relationships" xmlns:p="http://schemas.openxmlformats.org/presentationml/2006/main">
   <p:cSld>
     <p:spTree>
@@ -14529,7 +14713,7 @@
 </p:sld>
 </file>
 
-<file path=ppt/slides/slide27.xml><?xml version="1.0" encoding="utf-8"?>
+<file path=ppt/slides/slide28.xml><?xml version="1.0" encoding="utf-8"?>
 <p:sld xmlns:a="http://schemas.openxmlformats.org/drawingml/2006/main" xmlns:r="http://schemas.openxmlformats.org/officeDocument/2006/relationships" xmlns:p="http://schemas.openxmlformats.org/presentationml/2006/main">
   <p:cSld>
     <p:spTree>
@@ -14604,7 +14788,7 @@
 </p:sld>
 </file>
 
-<file path=ppt/slides/slide28.xml><?xml version="1.0" encoding="utf-8"?>
+<file path=ppt/slides/slide29.xml><?xml version="1.0" encoding="utf-8"?>
 <p:sld xmlns:a="http://schemas.openxmlformats.org/drawingml/2006/main" xmlns:r="http://schemas.openxmlformats.org/officeDocument/2006/relationships" xmlns:p="http://schemas.openxmlformats.org/presentationml/2006/main">
   <p:cSld>
     <p:spTree>
@@ -15205,260 +15389,6 @@
 </p:sld>
 </file>
 
-<file path=ppt/slides/slide29.xml><?xml version="1.0" encoding="utf-8"?>
-<p:sld xmlns:a="http://schemas.openxmlformats.org/drawingml/2006/main" xmlns:r="http://schemas.openxmlformats.org/officeDocument/2006/relationships" xmlns:p="http://schemas.openxmlformats.org/presentationml/2006/main">
-  <p:cSld>
-    <p:spTree>
-      <p:nvGrpSpPr>
-        <p:cNvPr id="1" name=""/>
-        <p:cNvGrpSpPr/>
-        <p:nvPr/>
-      </p:nvGrpSpPr>
-      <p:grpSpPr>
-        <a:xfrm>
-          <a:off x="0" y="0"/>
-          <a:ext cx="0" cy="0"/>
-          <a:chOff x="0" y="0"/>
-          <a:chExt cx="0" cy="0"/>
-        </a:xfrm>
-      </p:grpSpPr>
-      <p:sp>
-        <p:nvSpPr>
-          <p:cNvPr id="2" name="Titel 1"/>
-          <p:cNvSpPr>
-            <a:spLocks noGrp="1"/>
-          </p:cNvSpPr>
-          <p:nvPr>
-            <p:ph type="title"/>
-          </p:nvPr>
-        </p:nvSpPr>
-        <p:spPr/>
-        <p:txBody>
-          <a:bodyPr/>
-          <a:lstStyle/>
-          <a:p>
-            <a:r>
-              <a:rPr lang="nl-NL" dirty="0" err="1"/>
-              <a:t>Empirical</a:t>
-            </a:r>
-            <a:r>
-              <a:rPr lang="nl-NL" dirty="0"/>
-              <a:t> analysis</a:t>
-            </a:r>
-          </a:p>
-        </p:txBody>
-      </p:sp>
-      <p:sp>
-        <p:nvSpPr>
-          <p:cNvPr id="3" name="Tijdelijke aanduiding voor inhoud 2"/>
-          <p:cNvSpPr>
-            <a:spLocks noGrp="1"/>
-          </p:cNvSpPr>
-          <p:nvPr>
-            <p:ph idx="1"/>
-          </p:nvPr>
-        </p:nvSpPr>
-        <p:spPr>
-          <a:xfrm>
-            <a:off x="690982" y="2160589"/>
-            <a:ext cx="8596668" cy="3880773"/>
-          </a:xfrm>
-        </p:spPr>
-        <p:txBody>
-          <a:bodyPr/>
-          <a:lstStyle/>
-          <a:p>
-            <a:r>
-              <a:rPr lang="nl-NL" dirty="0"/>
-              <a:t>More </a:t>
-            </a:r>
-            <a:r>
-              <a:rPr lang="nl-NL" dirty="0" err="1"/>
-              <a:t>interesting</a:t>
-            </a:r>
-            <a:r>
-              <a:rPr lang="nl-NL" dirty="0"/>
-              <a:t> question:</a:t>
-            </a:r>
-          </a:p>
-          <a:p>
-            <a:pPr marL="0" indent="0" algn="ctr">
-              <a:buNone/>
-            </a:pPr>
-            <a:r>
-              <a:rPr lang="nl-NL" sz="2000" i="1" dirty="0"/>
-              <a:t>“How </a:t>
-            </a:r>
-            <a:r>
-              <a:rPr lang="nl-NL" sz="2000" i="1" dirty="0" err="1"/>
-              <a:t>much</a:t>
-            </a:r>
-            <a:r>
-              <a:rPr lang="nl-NL" sz="2000" i="1" dirty="0"/>
-              <a:t> does </a:t>
-            </a:r>
-            <a:r>
-              <a:rPr lang="nl-NL" sz="2000" i="1" dirty="0" err="1"/>
-              <a:t>the</a:t>
-            </a:r>
-            <a:r>
-              <a:rPr lang="nl-NL" sz="2000" i="1" dirty="0"/>
-              <a:t> running time of a program </a:t>
-            </a:r>
-            <a:r>
-              <a:rPr lang="nl-NL" sz="2000" i="1" dirty="0" err="1"/>
-              <a:t>increase</a:t>
-            </a:r>
-            <a:r>
-              <a:rPr lang="nl-NL" sz="2000" i="1" dirty="0"/>
-              <a:t> </a:t>
-            </a:r>
-            <a:r>
-              <a:rPr lang="nl-NL" sz="2000" i="1" dirty="0" err="1"/>
-              <a:t>when</a:t>
-            </a:r>
-            <a:r>
-              <a:rPr lang="nl-NL" sz="2000" i="1" dirty="0"/>
-              <a:t> </a:t>
-            </a:r>
-            <a:r>
-              <a:rPr lang="nl-NL" sz="2000" i="1" dirty="0" err="1"/>
-              <a:t>the</a:t>
-            </a:r>
-            <a:r>
-              <a:rPr lang="nl-NL" sz="2000" i="1" dirty="0"/>
-              <a:t> </a:t>
-            </a:r>
-            <a:r>
-              <a:rPr lang="nl-NL" sz="2000" i="1" dirty="0" err="1"/>
-              <a:t>problem</a:t>
-            </a:r>
-            <a:r>
-              <a:rPr lang="nl-NL" sz="2000" i="1" dirty="0"/>
-              <a:t> </a:t>
-            </a:r>
-            <a:r>
-              <a:rPr lang="nl-NL" sz="2000" i="1" dirty="0" err="1"/>
-              <a:t>size</a:t>
-            </a:r>
-            <a:r>
-              <a:rPr lang="nl-NL" sz="2000" i="1" dirty="0"/>
-              <a:t> </a:t>
-            </a:r>
-            <a:r>
-              <a:rPr lang="nl-NL" sz="2000" i="1" dirty="0" err="1"/>
-              <a:t>increases</a:t>
-            </a:r>
-            <a:r>
-              <a:rPr lang="nl-NL" sz="2000" i="1" dirty="0"/>
-              <a:t>?”</a:t>
-            </a:r>
-          </a:p>
-          <a:p>
-            <a:pPr marL="0" indent="0" algn="ctr">
-              <a:buNone/>
-            </a:pPr>
-            <a:endParaRPr lang="nl-NL" sz="2000" i="1" dirty="0"/>
-          </a:p>
-          <a:p>
-            <a:r>
-              <a:rPr lang="nl-NL" dirty="0"/>
-              <a:t>We look </a:t>
-            </a:r>
-            <a:r>
-              <a:rPr lang="nl-NL" dirty="0" err="1"/>
-              <a:t>for</a:t>
-            </a:r>
-            <a:r>
-              <a:rPr lang="nl-NL" dirty="0"/>
-              <a:t> a </a:t>
-            </a:r>
-            <a:r>
-              <a:rPr lang="nl-NL" dirty="0" err="1"/>
-              <a:t>dependency</a:t>
-            </a:r>
-            <a:r>
-              <a:rPr lang="nl-NL" dirty="0"/>
-              <a:t>/</a:t>
-            </a:r>
-            <a:r>
-              <a:rPr lang="nl-NL" dirty="0" err="1"/>
-              <a:t>relationship</a:t>
-            </a:r>
-            <a:r>
-              <a:rPr lang="nl-NL" dirty="0"/>
-              <a:t> </a:t>
-            </a:r>
-            <a:r>
-              <a:rPr lang="nl-NL" dirty="0" err="1"/>
-              <a:t>between</a:t>
-            </a:r>
-            <a:r>
-              <a:rPr lang="nl-NL" dirty="0"/>
-              <a:t> </a:t>
-            </a:r>
-          </a:p>
-          <a:p>
-            <a:pPr lvl="1"/>
-            <a:r>
-              <a:rPr lang="nl-NL" dirty="0" err="1"/>
-              <a:t>Problem</a:t>
-            </a:r>
-            <a:r>
-              <a:rPr lang="nl-NL" dirty="0"/>
-              <a:t> </a:t>
-            </a:r>
-            <a:r>
-              <a:rPr lang="nl-NL" dirty="0" err="1"/>
-              <a:t>size</a:t>
-            </a:r>
-            <a:endParaRPr lang="nl-NL" dirty="0"/>
-          </a:p>
-          <a:p>
-            <a:pPr lvl="1"/>
-            <a:r>
-              <a:rPr lang="nl-NL" dirty="0"/>
-              <a:t>Running time</a:t>
-            </a:r>
-          </a:p>
-        </p:txBody>
-      </p:sp>
-      <p:sp>
-        <p:nvSpPr>
-          <p:cNvPr id="4" name="Tijdelijke aanduiding voor voettekst 3"/>
-          <p:cNvSpPr>
-            <a:spLocks noGrp="1"/>
-          </p:cNvSpPr>
-          <p:nvPr>
-            <p:ph type="ftr" sz="quarter" idx="11"/>
-          </p:nvPr>
-        </p:nvSpPr>
-        <p:spPr/>
-        <p:txBody>
-          <a:bodyPr/>
-          <a:lstStyle/>
-          <a:p>
-            <a:r>
-              <a:rPr lang="it-IT"/>
-              <a:t>INFDEV036A - G. Costantini, F. Di Giacomo</a:t>
-            </a:r>
-            <a:endParaRPr lang="en-GB"/>
-          </a:p>
-        </p:txBody>
-      </p:sp>
-    </p:spTree>
-    <p:extLst>
-      <p:ext uri="{BB962C8B-B14F-4D97-AF65-F5344CB8AC3E}">
-        <p14:creationId xmlns:p14="http://schemas.microsoft.com/office/powerpoint/2010/main" val="61686"/>
-      </p:ext>
-    </p:extLst>
-  </p:cSld>
-  <p:clrMapOvr>
-    <a:masterClrMapping/>
-  </p:clrMapOvr>
-</p:sld>
-</file>
-
 <file path=ppt/slides/slide3.xml><?xml version="1.0" encoding="utf-8"?>
 <p:sld xmlns:a="http://schemas.openxmlformats.org/drawingml/2006/main" xmlns:r="http://schemas.openxmlformats.org/officeDocument/2006/relationships" xmlns:p="http://schemas.openxmlformats.org/presentationml/2006/main">
   <p:cSld>
@@ -15848,6 +15778,260 @@
         </p:nvSpPr>
         <p:spPr>
           <a:xfrm>
+            <a:off x="690982" y="2160589"/>
+            <a:ext cx="8596668" cy="3880773"/>
+          </a:xfrm>
+        </p:spPr>
+        <p:txBody>
+          <a:bodyPr/>
+          <a:lstStyle/>
+          <a:p>
+            <a:r>
+              <a:rPr lang="nl-NL" dirty="0"/>
+              <a:t>More </a:t>
+            </a:r>
+            <a:r>
+              <a:rPr lang="nl-NL" dirty="0" err="1"/>
+              <a:t>interesting</a:t>
+            </a:r>
+            <a:r>
+              <a:rPr lang="nl-NL" dirty="0"/>
+              <a:t> question:</a:t>
+            </a:r>
+          </a:p>
+          <a:p>
+            <a:pPr marL="0" indent="0" algn="ctr">
+              <a:buNone/>
+            </a:pPr>
+            <a:r>
+              <a:rPr lang="nl-NL" sz="2000" i="1" dirty="0"/>
+              <a:t>“How </a:t>
+            </a:r>
+            <a:r>
+              <a:rPr lang="nl-NL" sz="2000" i="1" dirty="0" err="1"/>
+              <a:t>much</a:t>
+            </a:r>
+            <a:r>
+              <a:rPr lang="nl-NL" sz="2000" i="1" dirty="0"/>
+              <a:t> does </a:t>
+            </a:r>
+            <a:r>
+              <a:rPr lang="nl-NL" sz="2000" i="1" dirty="0" err="1"/>
+              <a:t>the</a:t>
+            </a:r>
+            <a:r>
+              <a:rPr lang="nl-NL" sz="2000" i="1" dirty="0"/>
+              <a:t> running time of a program </a:t>
+            </a:r>
+            <a:r>
+              <a:rPr lang="nl-NL" sz="2000" i="1" dirty="0" err="1"/>
+              <a:t>increase</a:t>
+            </a:r>
+            <a:r>
+              <a:rPr lang="nl-NL" sz="2000" i="1" dirty="0"/>
+              <a:t> </a:t>
+            </a:r>
+            <a:r>
+              <a:rPr lang="nl-NL" sz="2000" i="1" dirty="0" err="1"/>
+              <a:t>when</a:t>
+            </a:r>
+            <a:r>
+              <a:rPr lang="nl-NL" sz="2000" i="1" dirty="0"/>
+              <a:t> </a:t>
+            </a:r>
+            <a:r>
+              <a:rPr lang="nl-NL" sz="2000" i="1" dirty="0" err="1"/>
+              <a:t>the</a:t>
+            </a:r>
+            <a:r>
+              <a:rPr lang="nl-NL" sz="2000" i="1" dirty="0"/>
+              <a:t> </a:t>
+            </a:r>
+            <a:r>
+              <a:rPr lang="nl-NL" sz="2000" i="1" dirty="0" err="1"/>
+              <a:t>problem</a:t>
+            </a:r>
+            <a:r>
+              <a:rPr lang="nl-NL" sz="2000" i="1" dirty="0"/>
+              <a:t> </a:t>
+            </a:r>
+            <a:r>
+              <a:rPr lang="nl-NL" sz="2000" i="1" dirty="0" err="1"/>
+              <a:t>size</a:t>
+            </a:r>
+            <a:r>
+              <a:rPr lang="nl-NL" sz="2000" i="1" dirty="0"/>
+              <a:t> </a:t>
+            </a:r>
+            <a:r>
+              <a:rPr lang="nl-NL" sz="2000" i="1" dirty="0" err="1"/>
+              <a:t>increases</a:t>
+            </a:r>
+            <a:r>
+              <a:rPr lang="nl-NL" sz="2000" i="1" dirty="0"/>
+              <a:t>?”</a:t>
+            </a:r>
+          </a:p>
+          <a:p>
+            <a:pPr marL="0" indent="0" algn="ctr">
+              <a:buNone/>
+            </a:pPr>
+            <a:endParaRPr lang="nl-NL" sz="2000" i="1" dirty="0"/>
+          </a:p>
+          <a:p>
+            <a:r>
+              <a:rPr lang="nl-NL" dirty="0"/>
+              <a:t>We look </a:t>
+            </a:r>
+            <a:r>
+              <a:rPr lang="nl-NL" dirty="0" err="1"/>
+              <a:t>for</a:t>
+            </a:r>
+            <a:r>
+              <a:rPr lang="nl-NL" dirty="0"/>
+              <a:t> a </a:t>
+            </a:r>
+            <a:r>
+              <a:rPr lang="nl-NL" dirty="0" err="1"/>
+              <a:t>dependency</a:t>
+            </a:r>
+            <a:r>
+              <a:rPr lang="nl-NL" dirty="0"/>
+              <a:t>/</a:t>
+            </a:r>
+            <a:r>
+              <a:rPr lang="nl-NL" dirty="0" err="1"/>
+              <a:t>relationship</a:t>
+            </a:r>
+            <a:r>
+              <a:rPr lang="nl-NL" dirty="0"/>
+              <a:t> </a:t>
+            </a:r>
+            <a:r>
+              <a:rPr lang="nl-NL" dirty="0" err="1"/>
+              <a:t>between</a:t>
+            </a:r>
+            <a:r>
+              <a:rPr lang="nl-NL" dirty="0"/>
+              <a:t> </a:t>
+            </a:r>
+          </a:p>
+          <a:p>
+            <a:pPr lvl="1"/>
+            <a:r>
+              <a:rPr lang="nl-NL" dirty="0" err="1"/>
+              <a:t>Problem</a:t>
+            </a:r>
+            <a:r>
+              <a:rPr lang="nl-NL" dirty="0"/>
+              <a:t> </a:t>
+            </a:r>
+            <a:r>
+              <a:rPr lang="nl-NL" dirty="0" err="1"/>
+              <a:t>size</a:t>
+            </a:r>
+            <a:endParaRPr lang="nl-NL" dirty="0"/>
+          </a:p>
+          <a:p>
+            <a:pPr lvl="1"/>
+            <a:r>
+              <a:rPr lang="nl-NL" dirty="0"/>
+              <a:t>Running time</a:t>
+            </a:r>
+          </a:p>
+        </p:txBody>
+      </p:sp>
+      <p:sp>
+        <p:nvSpPr>
+          <p:cNvPr id="4" name="Tijdelijke aanduiding voor voettekst 3"/>
+          <p:cNvSpPr>
+            <a:spLocks noGrp="1"/>
+          </p:cNvSpPr>
+          <p:nvPr>
+            <p:ph type="ftr" sz="quarter" idx="11"/>
+          </p:nvPr>
+        </p:nvSpPr>
+        <p:spPr/>
+        <p:txBody>
+          <a:bodyPr/>
+          <a:lstStyle/>
+          <a:p>
+            <a:r>
+              <a:rPr lang="it-IT"/>
+              <a:t>INFDEV036A - G. Costantini, F. Di Giacomo</a:t>
+            </a:r>
+            <a:endParaRPr lang="en-GB"/>
+          </a:p>
+        </p:txBody>
+      </p:sp>
+    </p:spTree>
+    <p:extLst>
+      <p:ext uri="{BB962C8B-B14F-4D97-AF65-F5344CB8AC3E}">
+        <p14:creationId xmlns:p14="http://schemas.microsoft.com/office/powerpoint/2010/main" val="61686"/>
+      </p:ext>
+    </p:extLst>
+  </p:cSld>
+  <p:clrMapOvr>
+    <a:masterClrMapping/>
+  </p:clrMapOvr>
+</p:sld>
+</file>
+
+<file path=ppt/slides/slide31.xml><?xml version="1.0" encoding="utf-8"?>
+<p:sld xmlns:a="http://schemas.openxmlformats.org/drawingml/2006/main" xmlns:r="http://schemas.openxmlformats.org/officeDocument/2006/relationships" xmlns:p="http://schemas.openxmlformats.org/presentationml/2006/main">
+  <p:cSld>
+    <p:spTree>
+      <p:nvGrpSpPr>
+        <p:cNvPr id="1" name=""/>
+        <p:cNvGrpSpPr/>
+        <p:nvPr/>
+      </p:nvGrpSpPr>
+      <p:grpSpPr>
+        <a:xfrm>
+          <a:off x="0" y="0"/>
+          <a:ext cx="0" cy="0"/>
+          <a:chOff x="0" y="0"/>
+          <a:chExt cx="0" cy="0"/>
+        </a:xfrm>
+      </p:grpSpPr>
+      <p:sp>
+        <p:nvSpPr>
+          <p:cNvPr id="2" name="Titel 1"/>
+          <p:cNvSpPr>
+            <a:spLocks noGrp="1"/>
+          </p:cNvSpPr>
+          <p:nvPr>
+            <p:ph type="title"/>
+          </p:nvPr>
+        </p:nvSpPr>
+        <p:spPr/>
+        <p:txBody>
+          <a:bodyPr/>
+          <a:lstStyle/>
+          <a:p>
+            <a:r>
+              <a:rPr lang="nl-NL" dirty="0" err="1"/>
+              <a:t>Empirical</a:t>
+            </a:r>
+            <a:r>
+              <a:rPr lang="nl-NL" dirty="0"/>
+              <a:t> analysis</a:t>
+            </a:r>
+          </a:p>
+        </p:txBody>
+      </p:sp>
+      <p:sp>
+        <p:nvSpPr>
+          <p:cNvPr id="3" name="Tijdelijke aanduiding voor inhoud 2"/>
+          <p:cNvSpPr>
+            <a:spLocks noGrp="1"/>
+          </p:cNvSpPr>
+          <p:nvPr>
+            <p:ph idx="1"/>
+          </p:nvPr>
+        </p:nvSpPr>
+        <p:spPr>
+          <a:xfrm>
             <a:off x="677334" y="2160589"/>
             <a:ext cx="8596668" cy="4245898"/>
           </a:xfrm>
@@ -16399,7 +16583,7 @@
 </p:sld>
 </file>
 
-<file path=ppt/slides/slide31.xml><?xml version="1.0" encoding="utf-8"?>
+<file path=ppt/slides/slide32.xml><?xml version="1.0" encoding="utf-8"?>
 <p:sld xmlns:a="http://schemas.openxmlformats.org/drawingml/2006/main" xmlns:r="http://schemas.openxmlformats.org/officeDocument/2006/relationships" xmlns:p="http://schemas.openxmlformats.org/presentationml/2006/main">
   <p:cSld>
     <p:spTree>
@@ -16893,7 +17077,7 @@
 </p:sld>
 </file>
 
-<file path=ppt/slides/slide32.xml><?xml version="1.0" encoding="utf-8"?>
+<file path=ppt/slides/slide33.xml><?xml version="1.0" encoding="utf-8"?>
 <p:sld xmlns:a="http://schemas.openxmlformats.org/drawingml/2006/main" xmlns:r="http://schemas.openxmlformats.org/officeDocument/2006/relationships" xmlns:p="http://schemas.openxmlformats.org/presentationml/2006/main">
   <p:cSld>
     <p:spTree>
@@ -17176,7 +17360,7 @@
 </p:sld>
 </file>
 
-<file path=ppt/slides/slide33.xml><?xml version="1.0" encoding="utf-8"?>
+<file path=ppt/slides/slide34.xml><?xml version="1.0" encoding="utf-8"?>
 <p:sld xmlns:a="http://schemas.openxmlformats.org/drawingml/2006/main" xmlns:r="http://schemas.openxmlformats.org/officeDocument/2006/relationships" xmlns:p="http://schemas.openxmlformats.org/presentationml/2006/main">
   <p:cSld>
     <p:spTree>
@@ -17241,170 +17425,6 @@
     <p:extLst>
       <p:ext uri="{BB962C8B-B14F-4D97-AF65-F5344CB8AC3E}">
         <p14:creationId xmlns:p14="http://schemas.microsoft.com/office/powerpoint/2010/main" val="335215212"/>
-      </p:ext>
-    </p:extLst>
-  </p:cSld>
-  <p:clrMapOvr>
-    <a:masterClrMapping/>
-  </p:clrMapOvr>
-</p:sld>
-</file>
-
-<file path=ppt/slides/slide34.xml><?xml version="1.0" encoding="utf-8"?>
-<p:sld xmlns:a="http://schemas.openxmlformats.org/drawingml/2006/main" xmlns:r="http://schemas.openxmlformats.org/officeDocument/2006/relationships" xmlns:p="http://schemas.openxmlformats.org/presentationml/2006/main">
-  <p:cSld>
-    <p:spTree>
-      <p:nvGrpSpPr>
-        <p:cNvPr id="1" name=""/>
-        <p:cNvGrpSpPr/>
-        <p:nvPr/>
-      </p:nvGrpSpPr>
-      <p:grpSpPr>
-        <a:xfrm>
-          <a:off x="0" y="0"/>
-          <a:ext cx="0" cy="0"/>
-          <a:chOff x="0" y="0"/>
-          <a:chExt cx="0" cy="0"/>
-        </a:xfrm>
-      </p:grpSpPr>
-      <p:sp>
-        <p:nvSpPr>
-          <p:cNvPr id="2" name="Title 1"/>
-          <p:cNvSpPr>
-            <a:spLocks noGrp="1"/>
-          </p:cNvSpPr>
-          <p:nvPr>
-            <p:ph type="title"/>
-          </p:nvPr>
-        </p:nvSpPr>
-        <p:spPr/>
-        <p:txBody>
-          <a:bodyPr/>
-          <a:lstStyle/>
-          <a:p>
-            <a:r>
-              <a:rPr lang="en-GB" dirty="0"/>
-              <a:t>Big O notation </a:t>
-            </a:r>
-          </a:p>
-        </p:txBody>
-      </p:sp>
-      <p:sp>
-        <p:nvSpPr>
-          <p:cNvPr id="3" name="Content Placeholder 2"/>
-          <p:cNvSpPr>
-            <a:spLocks noGrp="1"/>
-          </p:cNvSpPr>
-          <p:nvPr>
-            <p:ph idx="1"/>
-          </p:nvPr>
-        </p:nvSpPr>
-        <p:spPr>
-          <a:xfrm>
-            <a:off x="677333" y="2160589"/>
-            <a:ext cx="9285533" cy="3880773"/>
-          </a:xfrm>
-        </p:spPr>
-        <p:txBody>
-          <a:bodyPr>
-            <a:normAutofit/>
-          </a:bodyPr>
-          <a:lstStyle/>
-          <a:p>
-            <a:r>
-              <a:rPr lang="en-US" dirty="0"/>
-              <a:t>A relative representation of the complexity of an algorithm</a:t>
-            </a:r>
-          </a:p>
-          <a:p>
-            <a:r>
-              <a:rPr lang="en-US" dirty="0"/>
-              <a:t>Scaling nature of an algorithm</a:t>
-            </a:r>
-          </a:p>
-          <a:p>
-            <a:pPr lvl="1"/>
-            <a:r>
-              <a:rPr lang="en-US" dirty="0"/>
-              <a:t>how the resource use (mostly time) of an algorithm scales in response to the input size</a:t>
-            </a:r>
-          </a:p>
-          <a:p>
-            <a:pPr lvl="1"/>
-            <a:r>
-              <a:rPr lang="en-US" dirty="0"/>
-              <a:t>worse case analysis: </a:t>
-            </a:r>
-            <a:r>
-              <a:rPr lang="en-US" b="1" dirty="0"/>
-              <a:t>upper-bound </a:t>
-            </a:r>
-            <a:r>
-              <a:rPr lang="en-US" dirty="0"/>
-              <a:t>of the resource use as </a:t>
-            </a:r>
-            <a:r>
-              <a:rPr lang="en-GB" dirty="0">
-                <a:latin typeface="Consolas" panose="020B0609020204030204" pitchFamily="49" charset="0"/>
-                <a:cs typeface="Consolas" panose="020B0609020204030204" pitchFamily="49" charset="0"/>
-              </a:rPr>
-              <a:t>N</a:t>
-            </a:r>
-            <a:r>
-              <a:rPr lang="en-US" dirty="0"/>
-              <a:t> gets larger and larger (the algorithm will never take more space/time above that limit)</a:t>
-            </a:r>
-          </a:p>
-          <a:p>
-            <a:r>
-              <a:rPr lang="en-US" dirty="0"/>
-              <a:t>Why do we need it? </a:t>
-            </a:r>
-          </a:p>
-          <a:p>
-            <a:pPr lvl="1"/>
-            <a:r>
-              <a:rPr lang="en-US" dirty="0"/>
-              <a:t>To compare the </a:t>
-            </a:r>
-            <a:r>
-              <a:rPr lang="en-US" u="sng" dirty="0"/>
-              <a:t>worse case performance</a:t>
-            </a:r>
-            <a:r>
-              <a:rPr lang="en-US" dirty="0"/>
-              <a:t> of our algorithms in a standardized way</a:t>
-            </a:r>
-          </a:p>
-        </p:txBody>
-      </p:sp>
-      <p:sp>
-        <p:nvSpPr>
-          <p:cNvPr id="4" name="Footer Placeholder 3"/>
-          <p:cNvSpPr>
-            <a:spLocks noGrp="1"/>
-          </p:cNvSpPr>
-          <p:nvPr>
-            <p:ph type="ftr" sz="quarter" idx="11"/>
-          </p:nvPr>
-        </p:nvSpPr>
-        <p:spPr/>
-        <p:txBody>
-          <a:bodyPr/>
-          <a:lstStyle/>
-          <a:p>
-            <a:r>
-              <a:rPr lang="it-IT"/>
-              <a:t>INFDEV036A - G. Costantini, F. Di Giacomo</a:t>
-            </a:r>
-            <a:endParaRPr lang="en-GB"/>
-          </a:p>
-        </p:txBody>
-      </p:sp>
-    </p:spTree>
-    <p:extLst>
-      <p:ext uri="{BB962C8B-B14F-4D97-AF65-F5344CB8AC3E}">
-        <p14:creationId xmlns:p14="http://schemas.microsoft.com/office/powerpoint/2010/main" val="1265855969"/>
       </p:ext>
     </p:extLst>
   </p:cSld>
@@ -17465,6 +17485,170 @@
         </p:nvSpPr>
         <p:spPr>
           <a:xfrm>
+            <a:off x="677333" y="2160589"/>
+            <a:ext cx="9285533" cy="3880773"/>
+          </a:xfrm>
+        </p:spPr>
+        <p:txBody>
+          <a:bodyPr>
+            <a:normAutofit/>
+          </a:bodyPr>
+          <a:lstStyle/>
+          <a:p>
+            <a:r>
+              <a:rPr lang="en-US" dirty="0"/>
+              <a:t>A relative representation of the complexity of an algorithm</a:t>
+            </a:r>
+          </a:p>
+          <a:p>
+            <a:r>
+              <a:rPr lang="en-US" dirty="0"/>
+              <a:t>Scaling nature of an algorithm</a:t>
+            </a:r>
+          </a:p>
+          <a:p>
+            <a:pPr lvl="1"/>
+            <a:r>
+              <a:rPr lang="en-US" dirty="0"/>
+              <a:t>how the resource use (mostly time) of an algorithm scales in response to the input size</a:t>
+            </a:r>
+          </a:p>
+          <a:p>
+            <a:pPr lvl="1"/>
+            <a:r>
+              <a:rPr lang="en-US" dirty="0"/>
+              <a:t>worse case analysis: </a:t>
+            </a:r>
+            <a:r>
+              <a:rPr lang="en-US" b="1" dirty="0"/>
+              <a:t>upper-bound </a:t>
+            </a:r>
+            <a:r>
+              <a:rPr lang="en-US" dirty="0"/>
+              <a:t>of the resource use as </a:t>
+            </a:r>
+            <a:r>
+              <a:rPr lang="en-GB" dirty="0">
+                <a:latin typeface="Consolas" panose="020B0609020204030204" pitchFamily="49" charset="0"/>
+                <a:cs typeface="Consolas" panose="020B0609020204030204" pitchFamily="49" charset="0"/>
+              </a:rPr>
+              <a:t>N</a:t>
+            </a:r>
+            <a:r>
+              <a:rPr lang="en-US" dirty="0"/>
+              <a:t> gets larger and larger (the algorithm will never take more space/time above that limit)</a:t>
+            </a:r>
+          </a:p>
+          <a:p>
+            <a:r>
+              <a:rPr lang="en-US" dirty="0"/>
+              <a:t>Why do we need it? </a:t>
+            </a:r>
+          </a:p>
+          <a:p>
+            <a:pPr lvl="1"/>
+            <a:r>
+              <a:rPr lang="en-US" dirty="0"/>
+              <a:t>To compare the </a:t>
+            </a:r>
+            <a:r>
+              <a:rPr lang="en-US" u="sng" dirty="0"/>
+              <a:t>worse case performance</a:t>
+            </a:r>
+            <a:r>
+              <a:rPr lang="en-US" dirty="0"/>
+              <a:t> of our algorithms in a standardized way</a:t>
+            </a:r>
+          </a:p>
+        </p:txBody>
+      </p:sp>
+      <p:sp>
+        <p:nvSpPr>
+          <p:cNvPr id="4" name="Footer Placeholder 3"/>
+          <p:cNvSpPr>
+            <a:spLocks noGrp="1"/>
+          </p:cNvSpPr>
+          <p:nvPr>
+            <p:ph type="ftr" sz="quarter" idx="11"/>
+          </p:nvPr>
+        </p:nvSpPr>
+        <p:spPr/>
+        <p:txBody>
+          <a:bodyPr/>
+          <a:lstStyle/>
+          <a:p>
+            <a:r>
+              <a:rPr lang="it-IT"/>
+              <a:t>INFDEV036A - G. Costantini, F. Di Giacomo</a:t>
+            </a:r>
+            <a:endParaRPr lang="en-GB"/>
+          </a:p>
+        </p:txBody>
+      </p:sp>
+    </p:spTree>
+    <p:extLst>
+      <p:ext uri="{BB962C8B-B14F-4D97-AF65-F5344CB8AC3E}">
+        <p14:creationId xmlns:p14="http://schemas.microsoft.com/office/powerpoint/2010/main" val="1265855969"/>
+      </p:ext>
+    </p:extLst>
+  </p:cSld>
+  <p:clrMapOvr>
+    <a:masterClrMapping/>
+  </p:clrMapOvr>
+</p:sld>
+</file>
+
+<file path=ppt/slides/slide36.xml><?xml version="1.0" encoding="utf-8"?>
+<p:sld xmlns:a="http://schemas.openxmlformats.org/drawingml/2006/main" xmlns:r="http://schemas.openxmlformats.org/officeDocument/2006/relationships" xmlns:p="http://schemas.openxmlformats.org/presentationml/2006/main">
+  <p:cSld>
+    <p:spTree>
+      <p:nvGrpSpPr>
+        <p:cNvPr id="1" name=""/>
+        <p:cNvGrpSpPr/>
+        <p:nvPr/>
+      </p:nvGrpSpPr>
+      <p:grpSpPr>
+        <a:xfrm>
+          <a:off x="0" y="0"/>
+          <a:ext cx="0" cy="0"/>
+          <a:chOff x="0" y="0"/>
+          <a:chExt cx="0" cy="0"/>
+        </a:xfrm>
+      </p:grpSpPr>
+      <p:sp>
+        <p:nvSpPr>
+          <p:cNvPr id="2" name="Title 1"/>
+          <p:cNvSpPr>
+            <a:spLocks noGrp="1"/>
+          </p:cNvSpPr>
+          <p:nvPr>
+            <p:ph type="title"/>
+          </p:nvPr>
+        </p:nvSpPr>
+        <p:spPr/>
+        <p:txBody>
+          <a:bodyPr/>
+          <a:lstStyle/>
+          <a:p>
+            <a:r>
+              <a:rPr lang="en-GB" dirty="0"/>
+              <a:t>Big O notation </a:t>
+            </a:r>
+          </a:p>
+        </p:txBody>
+      </p:sp>
+      <p:sp>
+        <p:nvSpPr>
+          <p:cNvPr id="3" name="Content Placeholder 2"/>
+          <p:cNvSpPr>
+            <a:spLocks noGrp="1"/>
+          </p:cNvSpPr>
+          <p:nvPr>
+            <p:ph idx="1"/>
+          </p:nvPr>
+        </p:nvSpPr>
+        <p:spPr>
+          <a:xfrm>
             <a:off x="677334" y="2160589"/>
             <a:ext cx="8596668" cy="4245898"/>
           </a:xfrm>
@@ -17539,7 +17723,7 @@
 </p:sld>
 </file>
 
-<file path=ppt/slides/slide36.xml><?xml version="1.0" encoding="utf-8"?>
+<file path=ppt/slides/slide37.xml><?xml version="1.0" encoding="utf-8"?>
 <p:sld xmlns:a="http://schemas.openxmlformats.org/drawingml/2006/main" xmlns:r="http://schemas.openxmlformats.org/officeDocument/2006/relationships" xmlns:p="http://schemas.openxmlformats.org/presentationml/2006/main">
   <p:cSld>
     <p:spTree>
@@ -18210,7 +18394,7 @@
 </p:sld>
 </file>
 
-<file path=ppt/slides/slide37.xml><?xml version="1.0" encoding="utf-8"?>
+<file path=ppt/slides/slide38.xml><?xml version="1.0" encoding="utf-8"?>
 <p:sld xmlns:a="http://schemas.openxmlformats.org/drawingml/2006/main" xmlns:r="http://schemas.openxmlformats.org/officeDocument/2006/relationships" xmlns:p="http://schemas.openxmlformats.org/presentationml/2006/main">
   <p:cSld>
     <p:spTree>
@@ -18690,7 +18874,7 @@
 </p:sld>
 </file>
 
-<file path=ppt/slides/slide38.xml><?xml version="1.0" encoding="utf-8"?>
+<file path=ppt/slides/slide39.xml><?xml version="1.0" encoding="utf-8"?>
 <p:sld xmlns:a="http://schemas.openxmlformats.org/drawingml/2006/main" xmlns:r="http://schemas.openxmlformats.org/officeDocument/2006/relationships" xmlns:p="http://schemas.openxmlformats.org/presentationml/2006/main">
   <p:cSld>
     <p:spTree>
@@ -19240,7 +19424,643 @@
 </p:sld>
 </file>
 
-<file path=ppt/slides/slide39.xml><?xml version="1.0" encoding="utf-8"?>
+<file path=ppt/slides/slide4.xml><?xml version="1.0" encoding="utf-8"?>
+<p:sld xmlns:a="http://schemas.openxmlformats.org/drawingml/2006/main" xmlns:r="http://schemas.openxmlformats.org/officeDocument/2006/relationships" xmlns:p="http://schemas.openxmlformats.org/presentationml/2006/main">
+  <p:cSld>
+    <p:spTree>
+      <p:nvGrpSpPr>
+        <p:cNvPr id="1" name=""/>
+        <p:cNvGrpSpPr/>
+        <p:nvPr/>
+      </p:nvGrpSpPr>
+      <p:grpSpPr>
+        <a:xfrm>
+          <a:off x="0" y="0"/>
+          <a:ext cx="0" cy="0"/>
+          <a:chOff x="0" y="0"/>
+          <a:chExt cx="0" cy="0"/>
+        </a:xfrm>
+      </p:grpSpPr>
+      <p:sp>
+        <p:nvSpPr>
+          <p:cNvPr id="2" name="Title 1"/>
+          <p:cNvSpPr>
+            <a:spLocks noGrp="1"/>
+          </p:cNvSpPr>
+          <p:nvPr>
+            <p:ph type="title"/>
+          </p:nvPr>
+        </p:nvSpPr>
+        <p:spPr/>
+        <p:txBody>
+          <a:bodyPr/>
+          <a:lstStyle/>
+          <a:p>
+            <a:r>
+              <a:rPr lang="en-GB" dirty="0"/>
+              <a:t>Literature</a:t>
+            </a:r>
+          </a:p>
+        </p:txBody>
+      </p:sp>
+      <p:sp>
+        <p:nvSpPr>
+          <p:cNvPr id="3" name="Content Placeholder 2"/>
+          <p:cNvSpPr>
+            <a:spLocks noGrp="1"/>
+          </p:cNvSpPr>
+          <p:nvPr>
+            <p:ph idx="1"/>
+          </p:nvPr>
+        </p:nvSpPr>
+        <p:spPr>
+          <a:xfrm>
+            <a:off x="677334" y="1930400"/>
+            <a:ext cx="6297612" cy="4482901"/>
+          </a:xfrm>
+        </p:spPr>
+        <p:txBody>
+          <a:bodyPr>
+            <a:normAutofit/>
+          </a:bodyPr>
+          <a:lstStyle/>
+          <a:p>
+            <a:r>
+              <a:rPr lang="en-GB" dirty="0"/>
+              <a:t>All lesson materials (slides, mainly): on N@tschool</a:t>
+            </a:r>
+          </a:p>
+          <a:p>
+            <a:r>
+              <a:rPr lang="en-US" dirty="0"/>
+              <a:t>MC questions: on </a:t>
+            </a:r>
+            <a:r>
+              <a:rPr lang="en-US" dirty="0" err="1"/>
+              <a:t>GrandeOmega</a:t>
+            </a:r>
+            <a:endParaRPr lang="en-US" dirty="0"/>
+          </a:p>
+          <a:p>
+            <a:r>
+              <a:rPr lang="en-US" sz="1600" b="1" i="1" dirty="0"/>
+              <a:t>Introduction to Algorithms</a:t>
+            </a:r>
+            <a:r>
+              <a:rPr lang="en-US" sz="1600" dirty="0"/>
+              <a:t>, T. H. </a:t>
+            </a:r>
+            <a:r>
+              <a:rPr lang="en-US" sz="1600" dirty="0" err="1"/>
+              <a:t>Cormen</a:t>
+            </a:r>
+            <a:r>
+              <a:rPr lang="en-US" sz="1600" dirty="0"/>
+              <a:t>, C. Stein, R. L. </a:t>
+            </a:r>
+            <a:r>
+              <a:rPr lang="en-US" sz="1600" dirty="0" err="1"/>
+              <a:t>Rivest</a:t>
+            </a:r>
+            <a:r>
+              <a:rPr lang="en-US" sz="1600" dirty="0"/>
+              <a:t>, C. E. </a:t>
+            </a:r>
+            <a:r>
+              <a:rPr lang="en-US" sz="1600" dirty="0" err="1"/>
+              <a:t>Leiserson</a:t>
+            </a:r>
+            <a:r>
+              <a:rPr lang="en-US" sz="1600" dirty="0"/>
+              <a:t>, The MIT Press, ISBN: 978-0-262-53305-8, 3de </a:t>
+            </a:r>
+            <a:r>
+              <a:rPr lang="en-US" sz="1600" dirty="0" err="1"/>
+              <a:t>editie</a:t>
+            </a:r>
+            <a:r>
+              <a:rPr lang="en-US" sz="1600" dirty="0"/>
+              <a:t>, 2009</a:t>
+            </a:r>
+          </a:p>
+          <a:p>
+            <a:pPr lvl="1"/>
+            <a:r>
+              <a:rPr lang="en-GB" sz="1400" dirty="0"/>
+              <a:t>Complete and general</a:t>
+            </a:r>
+          </a:p>
+          <a:p>
+            <a:pPr lvl="1"/>
+            <a:r>
+              <a:rPr lang="en-GB" sz="1400" b="1" dirty="0"/>
+              <a:t>BIBLE OF ALGORITHMS AND EVERYTHING REMOTELY RELATED</a:t>
+            </a:r>
+          </a:p>
+          <a:p>
+            <a:pPr lvl="1"/>
+            <a:endParaRPr lang="en-GB" sz="1400" b="1" dirty="0"/>
+          </a:p>
+          <a:p>
+            <a:r>
+              <a:rPr lang="en-GB" sz="1600" dirty="0"/>
+              <a:t>Another book (optional):</a:t>
+            </a:r>
+          </a:p>
+          <a:p>
+            <a:pPr lvl="1"/>
+            <a:r>
+              <a:rPr lang="en-GB" sz="1400" b="1" dirty="0"/>
+              <a:t>Algorithms</a:t>
+            </a:r>
+            <a:r>
+              <a:rPr lang="en-GB" sz="1400" dirty="0"/>
+              <a:t>, R. Sedgewick, K. Wayne, Addison Wesley, ISBN-13: 978-0321573513, 4</a:t>
+            </a:r>
+            <a:r>
+              <a:rPr lang="en-GB" sz="1400" baseline="30000" dirty="0"/>
+              <a:t>th</a:t>
+            </a:r>
+            <a:r>
+              <a:rPr lang="en-GB" sz="1400" dirty="0"/>
+              <a:t> edition, 2011</a:t>
+            </a:r>
+          </a:p>
+          <a:p>
+            <a:pPr lvl="1"/>
+            <a:r>
+              <a:rPr lang="en-GB" sz="1400" dirty="0"/>
+              <a:t>Code and all examples in Java</a:t>
+            </a:r>
+          </a:p>
+          <a:p>
+            <a:pPr lvl="1"/>
+            <a:r>
+              <a:rPr lang="en-GB" sz="1400" dirty="0">
+                <a:hlinkClick r:id="rId2"/>
+              </a:rPr>
+              <a:t>http://algs4.cs.princeton.edu/</a:t>
+            </a:r>
+            <a:endParaRPr lang="en-GB" sz="1800" b="1" dirty="0"/>
+          </a:p>
+        </p:txBody>
+      </p:sp>
+      <p:sp>
+        <p:nvSpPr>
+          <p:cNvPr id="4" name="Footer Placeholder 3"/>
+          <p:cNvSpPr>
+            <a:spLocks noGrp="1"/>
+          </p:cNvSpPr>
+          <p:nvPr>
+            <p:ph type="ftr" sz="quarter" idx="11"/>
+          </p:nvPr>
+        </p:nvSpPr>
+        <p:spPr/>
+        <p:txBody>
+          <a:bodyPr/>
+          <a:lstStyle/>
+          <a:p>
+            <a:r>
+              <a:rPr lang="it-IT"/>
+              <a:t>INFDEV036A - G. Costantini, F. Di Giacomo</a:t>
+            </a:r>
+            <a:endParaRPr lang="en-GB"/>
+          </a:p>
+        </p:txBody>
+      </p:sp>
+      <p:pic>
+        <p:nvPicPr>
+          <p:cNvPr id="1028" name="Picture 4" descr="http://upload.wikimedia.org/wikipedia/en/4/41/Clrs3.jpeg"/>
+          <p:cNvPicPr>
+            <a:picLocks noChangeAspect="1" noChangeArrowheads="1"/>
+          </p:cNvPicPr>
+          <p:nvPr/>
+        </p:nvPicPr>
+        <p:blipFill>
+          <a:blip r:embed="rId3">
+            <a:extLst>
+              <a:ext uri="{28A0092B-C50C-407E-A947-70E740481C1C}">
+                <a14:useLocalDpi xmlns:a14="http://schemas.microsoft.com/office/drawing/2010/main" val="0"/>
+              </a:ext>
+            </a:extLst>
+          </a:blip>
+          <a:srcRect/>
+          <a:stretch>
+            <a:fillRect/>
+          </a:stretch>
+        </p:blipFill>
+        <p:spPr bwMode="auto">
+          <a:xfrm>
+            <a:off x="6974946" y="128431"/>
+            <a:ext cx="3772653" cy="4266691"/>
+          </a:xfrm>
+          <a:prstGeom prst="rect">
+            <a:avLst/>
+          </a:prstGeom>
+          <a:noFill/>
+          <a:extLst>
+            <a:ext uri="{909E8E84-426E-40DD-AFC4-6F175D3DCCD1}">
+              <a14:hiddenFill xmlns:a14="http://schemas.microsoft.com/office/drawing/2010/main">
+                <a:solidFill>
+                  <a:srgbClr val="FFFFFF"/>
+                </a:solidFill>
+              </a14:hiddenFill>
+            </a:ext>
+          </a:extLst>
+        </p:spPr>
+      </p:pic>
+      <p:pic>
+        <p:nvPicPr>
+          <p:cNvPr id="5" name="Picture 2" descr="Algorithms, 4th Edition by Robert Sedgewick and Kevin Wayne"/>
+          <p:cNvPicPr>
+            <a:picLocks noChangeAspect="1" noChangeArrowheads="1"/>
+          </p:cNvPicPr>
+          <p:nvPr/>
+        </p:nvPicPr>
+        <p:blipFill>
+          <a:blip r:embed="rId4" cstate="print">
+            <a:extLst>
+              <a:ext uri="{28A0092B-C50C-407E-A947-70E740481C1C}">
+                <a14:useLocalDpi xmlns:a14="http://schemas.microsoft.com/office/drawing/2010/main" val="0"/>
+              </a:ext>
+            </a:extLst>
+          </a:blip>
+          <a:srcRect/>
+          <a:stretch>
+            <a:fillRect/>
+          </a:stretch>
+        </p:blipFill>
+        <p:spPr bwMode="auto">
+          <a:xfrm>
+            <a:off x="6974946" y="4600401"/>
+            <a:ext cx="1417214" cy="1780506"/>
+          </a:xfrm>
+          <a:prstGeom prst="rect">
+            <a:avLst/>
+          </a:prstGeom>
+          <a:noFill/>
+          <a:extLst>
+            <a:ext uri="{909E8E84-426E-40DD-AFC4-6F175D3DCCD1}">
+              <a14:hiddenFill xmlns:a14="http://schemas.microsoft.com/office/drawing/2010/main">
+                <a:solidFill>
+                  <a:srgbClr val="FFFFFF"/>
+                </a:solidFill>
+              </a14:hiddenFill>
+            </a:ext>
+          </a:extLst>
+        </p:spPr>
+      </p:pic>
+    </p:spTree>
+    <p:extLst>
+      <p:ext uri="{BB962C8B-B14F-4D97-AF65-F5344CB8AC3E}">
+        <p14:creationId xmlns:p14="http://schemas.microsoft.com/office/powerpoint/2010/main" val="3560851733"/>
+      </p:ext>
+    </p:extLst>
+  </p:cSld>
+  <p:clrMapOvr>
+    <a:masterClrMapping/>
+  </p:clrMapOvr>
+  <p:timing>
+    <p:tnLst>
+      <p:par>
+        <p:cTn id="1" dur="indefinite" restart="never" nodeType="tmRoot">
+          <p:childTnLst>
+            <p:seq concurrent="1" nextAc="seek">
+              <p:cTn id="2" dur="indefinite" nodeType="mainSeq">
+                <p:childTnLst>
+                  <p:par>
+                    <p:cTn id="3" fill="hold">
+                      <p:stCondLst>
+                        <p:cond delay="indefinite"/>
+                      </p:stCondLst>
+                      <p:childTnLst>
+                        <p:par>
+                          <p:cTn id="4" fill="hold">
+                            <p:stCondLst>
+                              <p:cond delay="0"/>
+                            </p:stCondLst>
+                            <p:childTnLst>
+                              <p:par>
+                                <p:cTn id="5" presetID="1" presetClass="entr" presetSubtype="0" fill="hold" nodeType="clickEffect">
+                                  <p:stCondLst>
+                                    <p:cond delay="0"/>
+                                  </p:stCondLst>
+                                  <p:childTnLst>
+                                    <p:set>
+                                      <p:cBhvr>
+                                        <p:cTn id="6" dur="1" fill="hold">
+                                          <p:stCondLst>
+                                            <p:cond delay="0"/>
+                                          </p:stCondLst>
+                                        </p:cTn>
+                                        <p:tgtEl>
+                                          <p:spTgt spid="3">
+                                            <p:txEl>
+                                              <p:pRg st="2" end="2"/>
+                                            </p:txEl>
+                                          </p:spTgt>
+                                        </p:tgtEl>
+                                        <p:attrNameLst>
+                                          <p:attrName>style.visibility</p:attrName>
+                                        </p:attrNameLst>
+                                      </p:cBhvr>
+                                      <p:to>
+                                        <p:strVal val="visible"/>
+                                      </p:to>
+                                    </p:set>
+                                  </p:childTnLst>
+                                </p:cTn>
+                              </p:par>
+                              <p:par>
+                                <p:cTn id="7" presetID="1" presetClass="entr" presetSubtype="0" fill="hold" nodeType="withEffect">
+                                  <p:stCondLst>
+                                    <p:cond delay="0"/>
+                                  </p:stCondLst>
+                                  <p:childTnLst>
+                                    <p:set>
+                                      <p:cBhvr>
+                                        <p:cTn id="8" dur="1" fill="hold">
+                                          <p:stCondLst>
+                                            <p:cond delay="0"/>
+                                          </p:stCondLst>
+                                        </p:cTn>
+                                        <p:tgtEl>
+                                          <p:spTgt spid="3">
+                                            <p:txEl>
+                                              <p:pRg st="3" end="3"/>
+                                            </p:txEl>
+                                          </p:spTgt>
+                                        </p:tgtEl>
+                                        <p:attrNameLst>
+                                          <p:attrName>style.visibility</p:attrName>
+                                        </p:attrNameLst>
+                                      </p:cBhvr>
+                                      <p:to>
+                                        <p:strVal val="visible"/>
+                                      </p:to>
+                                    </p:set>
+                                  </p:childTnLst>
+                                </p:cTn>
+                              </p:par>
+                              <p:par>
+                                <p:cTn id="9" presetID="1" presetClass="entr" presetSubtype="0" fill="hold" nodeType="withEffect">
+                                  <p:stCondLst>
+                                    <p:cond delay="0"/>
+                                  </p:stCondLst>
+                                  <p:childTnLst>
+                                    <p:set>
+                                      <p:cBhvr>
+                                        <p:cTn id="10" dur="1" fill="hold">
+                                          <p:stCondLst>
+                                            <p:cond delay="0"/>
+                                          </p:stCondLst>
+                                        </p:cTn>
+                                        <p:tgtEl>
+                                          <p:spTgt spid="3">
+                                            <p:txEl>
+                                              <p:pRg st="4" end="4"/>
+                                            </p:txEl>
+                                          </p:spTgt>
+                                        </p:tgtEl>
+                                        <p:attrNameLst>
+                                          <p:attrName>style.visibility</p:attrName>
+                                        </p:attrNameLst>
+                                      </p:cBhvr>
+                                      <p:to>
+                                        <p:strVal val="visible"/>
+                                      </p:to>
+                                    </p:set>
+                                  </p:childTnLst>
+                                </p:cTn>
+                              </p:par>
+                              <p:par>
+                                <p:cTn id="11" presetID="1" presetClass="entr" presetSubtype="0" fill="hold" nodeType="withEffect">
+                                  <p:stCondLst>
+                                    <p:cond delay="0"/>
+                                  </p:stCondLst>
+                                  <p:childTnLst>
+                                    <p:set>
+                                      <p:cBhvr>
+                                        <p:cTn id="12" dur="1" fill="hold">
+                                          <p:stCondLst>
+                                            <p:cond delay="0"/>
+                                          </p:stCondLst>
+                                        </p:cTn>
+                                        <p:tgtEl>
+                                          <p:spTgt spid="1028"/>
+                                        </p:tgtEl>
+                                        <p:attrNameLst>
+                                          <p:attrName>style.visibility</p:attrName>
+                                        </p:attrNameLst>
+                                      </p:cBhvr>
+                                      <p:to>
+                                        <p:strVal val="visible"/>
+                                      </p:to>
+                                    </p:set>
+                                  </p:childTnLst>
+                                </p:cTn>
+                              </p:par>
+                            </p:childTnLst>
+                          </p:cTn>
+                        </p:par>
+                      </p:childTnLst>
+                    </p:cTn>
+                  </p:par>
+                  <p:par>
+                    <p:cTn id="13" fill="hold">
+                      <p:stCondLst>
+                        <p:cond delay="indefinite"/>
+                      </p:stCondLst>
+                      <p:childTnLst>
+                        <p:par>
+                          <p:cTn id="14" fill="hold">
+                            <p:stCondLst>
+                              <p:cond delay="0"/>
+                            </p:stCondLst>
+                            <p:childTnLst>
+                              <p:par>
+                                <p:cTn id="15" presetID="1" presetClass="entr" presetSubtype="0" fill="hold" nodeType="clickEffect">
+                                  <p:stCondLst>
+                                    <p:cond delay="0"/>
+                                  </p:stCondLst>
+                                  <p:childTnLst>
+                                    <p:set>
+                                      <p:cBhvr>
+                                        <p:cTn id="16" dur="1" fill="hold">
+                                          <p:stCondLst>
+                                            <p:cond delay="0"/>
+                                          </p:stCondLst>
+                                        </p:cTn>
+                                        <p:tgtEl>
+                                          <p:spTgt spid="3">
+                                            <p:txEl>
+                                              <p:pRg st="6" end="6"/>
+                                            </p:txEl>
+                                          </p:spTgt>
+                                        </p:tgtEl>
+                                        <p:attrNameLst>
+                                          <p:attrName>style.visibility</p:attrName>
+                                        </p:attrNameLst>
+                                      </p:cBhvr>
+                                      <p:to>
+                                        <p:strVal val="visible"/>
+                                      </p:to>
+                                    </p:set>
+                                  </p:childTnLst>
+                                </p:cTn>
+                              </p:par>
+                              <p:par>
+                                <p:cTn id="17" presetID="1" presetClass="entr" presetSubtype="0" fill="hold" nodeType="withEffect">
+                                  <p:stCondLst>
+                                    <p:cond delay="0"/>
+                                  </p:stCondLst>
+                                  <p:childTnLst>
+                                    <p:set>
+                                      <p:cBhvr>
+                                        <p:cTn id="18" dur="1" fill="hold">
+                                          <p:stCondLst>
+                                            <p:cond delay="0"/>
+                                          </p:stCondLst>
+                                        </p:cTn>
+                                        <p:tgtEl>
+                                          <p:spTgt spid="3">
+                                            <p:txEl>
+                                              <p:pRg st="7" end="7"/>
+                                            </p:txEl>
+                                          </p:spTgt>
+                                        </p:tgtEl>
+                                        <p:attrNameLst>
+                                          <p:attrName>style.visibility</p:attrName>
+                                        </p:attrNameLst>
+                                      </p:cBhvr>
+                                      <p:to>
+                                        <p:strVal val="visible"/>
+                                      </p:to>
+                                    </p:set>
+                                  </p:childTnLst>
+                                </p:cTn>
+                              </p:par>
+                              <p:par>
+                                <p:cTn id="19" presetID="1" presetClass="entr" presetSubtype="0" fill="hold" nodeType="withEffect">
+                                  <p:stCondLst>
+                                    <p:cond delay="0"/>
+                                  </p:stCondLst>
+                                  <p:childTnLst>
+                                    <p:set>
+                                      <p:cBhvr>
+                                        <p:cTn id="20" dur="1" fill="hold">
+                                          <p:stCondLst>
+                                            <p:cond delay="0"/>
+                                          </p:stCondLst>
+                                        </p:cTn>
+                                        <p:tgtEl>
+                                          <p:spTgt spid="3">
+                                            <p:txEl>
+                                              <p:pRg st="8" end="8"/>
+                                            </p:txEl>
+                                          </p:spTgt>
+                                        </p:tgtEl>
+                                        <p:attrNameLst>
+                                          <p:attrName>style.visibility</p:attrName>
+                                        </p:attrNameLst>
+                                      </p:cBhvr>
+                                      <p:to>
+                                        <p:strVal val="visible"/>
+                                      </p:to>
+                                    </p:set>
+                                  </p:childTnLst>
+                                </p:cTn>
+                              </p:par>
+                              <p:par>
+                                <p:cTn id="21" presetID="1" presetClass="entr" presetSubtype="0" fill="hold" nodeType="withEffect">
+                                  <p:stCondLst>
+                                    <p:cond delay="0"/>
+                                  </p:stCondLst>
+                                  <p:childTnLst>
+                                    <p:set>
+                                      <p:cBhvr>
+                                        <p:cTn id="22" dur="1" fill="hold">
+                                          <p:stCondLst>
+                                            <p:cond delay="0"/>
+                                          </p:stCondLst>
+                                        </p:cTn>
+                                        <p:tgtEl>
+                                          <p:spTgt spid="3">
+                                            <p:txEl>
+                                              <p:pRg st="9" end="9"/>
+                                            </p:txEl>
+                                          </p:spTgt>
+                                        </p:tgtEl>
+                                        <p:attrNameLst>
+                                          <p:attrName>style.visibility</p:attrName>
+                                        </p:attrNameLst>
+                                      </p:cBhvr>
+                                      <p:to>
+                                        <p:strVal val="visible"/>
+                                      </p:to>
+                                    </p:set>
+                                  </p:childTnLst>
+                                </p:cTn>
+                              </p:par>
+                              <p:par>
+                                <p:cTn id="23" presetID="1" presetClass="entr" presetSubtype="0" fill="hold" nodeType="withEffect">
+                                  <p:stCondLst>
+                                    <p:cond delay="0"/>
+                                  </p:stCondLst>
+                                  <p:childTnLst>
+                                    <p:set>
+                                      <p:cBhvr>
+                                        <p:cTn id="24" dur="1" fill="hold">
+                                          <p:stCondLst>
+                                            <p:cond delay="0"/>
+                                          </p:stCondLst>
+                                        </p:cTn>
+                                        <p:tgtEl>
+                                          <p:spTgt spid="5"/>
+                                        </p:tgtEl>
+                                        <p:attrNameLst>
+                                          <p:attrName>style.visibility</p:attrName>
+                                        </p:attrNameLst>
+                                      </p:cBhvr>
+                                      <p:to>
+                                        <p:strVal val="visible"/>
+                                      </p:to>
+                                    </p:set>
+                                  </p:childTnLst>
+                                </p:cTn>
+                              </p:par>
+                            </p:childTnLst>
+                          </p:cTn>
+                        </p:par>
+                      </p:childTnLst>
+                    </p:cTn>
+                  </p:par>
+                </p:childTnLst>
+              </p:cTn>
+              <p:prevCondLst>
+                <p:cond evt="onPrev" delay="0">
+                  <p:tgtEl>
+                    <p:sldTgt/>
+                  </p:tgtEl>
+                </p:cond>
+              </p:prevCondLst>
+              <p:nextCondLst>
+                <p:cond evt="onNext" delay="0">
+                  <p:tgtEl>
+                    <p:sldTgt/>
+                  </p:tgtEl>
+                </p:cond>
+              </p:nextCondLst>
+            </p:seq>
+          </p:childTnLst>
+        </p:cTn>
+      </p:par>
+    </p:tnLst>
+  </p:timing>
+</p:sld>
+</file>
+
+<file path=ppt/slides/slide40.xml><?xml version="1.0" encoding="utf-8"?>
 <p:sld xmlns:a="http://schemas.openxmlformats.org/drawingml/2006/main" xmlns:r="http://schemas.openxmlformats.org/officeDocument/2006/relationships" xmlns:p="http://schemas.openxmlformats.org/presentationml/2006/main">
   <p:cSld>
     <p:spTree>
@@ -20670,643 +21490,7 @@
 </p:sld>
 </file>
 
-<file path=ppt/slides/slide4.xml><?xml version="1.0" encoding="utf-8"?>
-<p:sld xmlns:a="http://schemas.openxmlformats.org/drawingml/2006/main" xmlns:r="http://schemas.openxmlformats.org/officeDocument/2006/relationships" xmlns:p="http://schemas.openxmlformats.org/presentationml/2006/main">
-  <p:cSld>
-    <p:spTree>
-      <p:nvGrpSpPr>
-        <p:cNvPr id="1" name=""/>
-        <p:cNvGrpSpPr/>
-        <p:nvPr/>
-      </p:nvGrpSpPr>
-      <p:grpSpPr>
-        <a:xfrm>
-          <a:off x="0" y="0"/>
-          <a:ext cx="0" cy="0"/>
-          <a:chOff x="0" y="0"/>
-          <a:chExt cx="0" cy="0"/>
-        </a:xfrm>
-      </p:grpSpPr>
-      <p:sp>
-        <p:nvSpPr>
-          <p:cNvPr id="2" name="Title 1"/>
-          <p:cNvSpPr>
-            <a:spLocks noGrp="1"/>
-          </p:cNvSpPr>
-          <p:nvPr>
-            <p:ph type="title"/>
-          </p:nvPr>
-        </p:nvSpPr>
-        <p:spPr/>
-        <p:txBody>
-          <a:bodyPr/>
-          <a:lstStyle/>
-          <a:p>
-            <a:r>
-              <a:rPr lang="en-GB" dirty="0"/>
-              <a:t>Literature</a:t>
-            </a:r>
-          </a:p>
-        </p:txBody>
-      </p:sp>
-      <p:sp>
-        <p:nvSpPr>
-          <p:cNvPr id="3" name="Content Placeholder 2"/>
-          <p:cNvSpPr>
-            <a:spLocks noGrp="1"/>
-          </p:cNvSpPr>
-          <p:nvPr>
-            <p:ph idx="1"/>
-          </p:nvPr>
-        </p:nvSpPr>
-        <p:spPr>
-          <a:xfrm>
-            <a:off x="677334" y="1930400"/>
-            <a:ext cx="6297612" cy="4482901"/>
-          </a:xfrm>
-        </p:spPr>
-        <p:txBody>
-          <a:bodyPr>
-            <a:normAutofit/>
-          </a:bodyPr>
-          <a:lstStyle/>
-          <a:p>
-            <a:r>
-              <a:rPr lang="en-GB" dirty="0"/>
-              <a:t>All lesson materials (slides, mainly): on N@tschool</a:t>
-            </a:r>
-          </a:p>
-          <a:p>
-            <a:r>
-              <a:rPr lang="en-US" dirty="0"/>
-              <a:t>MC questions: on </a:t>
-            </a:r>
-            <a:r>
-              <a:rPr lang="en-US" dirty="0" err="1"/>
-              <a:t>GrandeOmega</a:t>
-            </a:r>
-            <a:endParaRPr lang="en-US" dirty="0"/>
-          </a:p>
-          <a:p>
-            <a:r>
-              <a:rPr lang="en-US" sz="1600" b="1" i="1" dirty="0"/>
-              <a:t>Introduction to Algorithms</a:t>
-            </a:r>
-            <a:r>
-              <a:rPr lang="en-US" sz="1600" dirty="0"/>
-              <a:t>, T. H. </a:t>
-            </a:r>
-            <a:r>
-              <a:rPr lang="en-US" sz="1600" dirty="0" err="1"/>
-              <a:t>Cormen</a:t>
-            </a:r>
-            <a:r>
-              <a:rPr lang="en-US" sz="1600" dirty="0"/>
-              <a:t>, C. Stein, R. L. </a:t>
-            </a:r>
-            <a:r>
-              <a:rPr lang="en-US" sz="1600" dirty="0" err="1"/>
-              <a:t>Rivest</a:t>
-            </a:r>
-            <a:r>
-              <a:rPr lang="en-US" sz="1600" dirty="0"/>
-              <a:t>, C. E. </a:t>
-            </a:r>
-            <a:r>
-              <a:rPr lang="en-US" sz="1600" dirty="0" err="1"/>
-              <a:t>Leiserson</a:t>
-            </a:r>
-            <a:r>
-              <a:rPr lang="en-US" sz="1600" dirty="0"/>
-              <a:t>, The MIT Press, ISBN: 978-0-262-53305-8, 3de </a:t>
-            </a:r>
-            <a:r>
-              <a:rPr lang="en-US" sz="1600" dirty="0" err="1"/>
-              <a:t>editie</a:t>
-            </a:r>
-            <a:r>
-              <a:rPr lang="en-US" sz="1600" dirty="0"/>
-              <a:t>, 2009</a:t>
-            </a:r>
-          </a:p>
-          <a:p>
-            <a:pPr lvl="1"/>
-            <a:r>
-              <a:rPr lang="en-GB" sz="1400" dirty="0"/>
-              <a:t>Complete and general</a:t>
-            </a:r>
-          </a:p>
-          <a:p>
-            <a:pPr lvl="1"/>
-            <a:r>
-              <a:rPr lang="en-GB" sz="1400" b="1" dirty="0"/>
-              <a:t>BIBLE OF ALGORITHMS AND EVERYTHING REMOTELY RELATED</a:t>
-            </a:r>
-          </a:p>
-          <a:p>
-            <a:pPr lvl="1"/>
-            <a:endParaRPr lang="en-GB" sz="1400" b="1" dirty="0"/>
-          </a:p>
-          <a:p>
-            <a:r>
-              <a:rPr lang="en-GB" sz="1600" dirty="0"/>
-              <a:t>Another book (optional):</a:t>
-            </a:r>
-          </a:p>
-          <a:p>
-            <a:pPr lvl="1"/>
-            <a:r>
-              <a:rPr lang="en-GB" sz="1400" b="1" dirty="0"/>
-              <a:t>Algorithms</a:t>
-            </a:r>
-            <a:r>
-              <a:rPr lang="en-GB" sz="1400" dirty="0"/>
-              <a:t>, R. Sedgewick, K. Wayne, Addison Wesley, ISBN-13: 978-0321573513, 4</a:t>
-            </a:r>
-            <a:r>
-              <a:rPr lang="en-GB" sz="1400" baseline="30000" dirty="0"/>
-              <a:t>th</a:t>
-            </a:r>
-            <a:r>
-              <a:rPr lang="en-GB" sz="1400" dirty="0"/>
-              <a:t> edition, 2011</a:t>
-            </a:r>
-          </a:p>
-          <a:p>
-            <a:pPr lvl="1"/>
-            <a:r>
-              <a:rPr lang="en-GB" sz="1400" dirty="0"/>
-              <a:t>Code and all examples in Java</a:t>
-            </a:r>
-          </a:p>
-          <a:p>
-            <a:pPr lvl="1"/>
-            <a:r>
-              <a:rPr lang="en-GB" sz="1400" dirty="0">
-                <a:hlinkClick r:id="rId2"/>
-              </a:rPr>
-              <a:t>http://algs4.cs.princeton.edu/</a:t>
-            </a:r>
-            <a:endParaRPr lang="en-GB" sz="1800" b="1" dirty="0"/>
-          </a:p>
-        </p:txBody>
-      </p:sp>
-      <p:sp>
-        <p:nvSpPr>
-          <p:cNvPr id="4" name="Footer Placeholder 3"/>
-          <p:cNvSpPr>
-            <a:spLocks noGrp="1"/>
-          </p:cNvSpPr>
-          <p:nvPr>
-            <p:ph type="ftr" sz="quarter" idx="11"/>
-          </p:nvPr>
-        </p:nvSpPr>
-        <p:spPr/>
-        <p:txBody>
-          <a:bodyPr/>
-          <a:lstStyle/>
-          <a:p>
-            <a:r>
-              <a:rPr lang="it-IT"/>
-              <a:t>INFDEV036A - G. Costantini, F. Di Giacomo</a:t>
-            </a:r>
-            <a:endParaRPr lang="en-GB"/>
-          </a:p>
-        </p:txBody>
-      </p:sp>
-      <p:pic>
-        <p:nvPicPr>
-          <p:cNvPr id="1028" name="Picture 4" descr="http://upload.wikimedia.org/wikipedia/en/4/41/Clrs3.jpeg"/>
-          <p:cNvPicPr>
-            <a:picLocks noChangeAspect="1" noChangeArrowheads="1"/>
-          </p:cNvPicPr>
-          <p:nvPr/>
-        </p:nvPicPr>
-        <p:blipFill>
-          <a:blip r:embed="rId3">
-            <a:extLst>
-              <a:ext uri="{28A0092B-C50C-407E-A947-70E740481C1C}">
-                <a14:useLocalDpi xmlns:a14="http://schemas.microsoft.com/office/drawing/2010/main" val="0"/>
-              </a:ext>
-            </a:extLst>
-          </a:blip>
-          <a:srcRect/>
-          <a:stretch>
-            <a:fillRect/>
-          </a:stretch>
-        </p:blipFill>
-        <p:spPr bwMode="auto">
-          <a:xfrm>
-            <a:off x="6974946" y="128431"/>
-            <a:ext cx="3772653" cy="4266691"/>
-          </a:xfrm>
-          <a:prstGeom prst="rect">
-            <a:avLst/>
-          </a:prstGeom>
-          <a:noFill/>
-          <a:extLst>
-            <a:ext uri="{909E8E84-426E-40DD-AFC4-6F175D3DCCD1}">
-              <a14:hiddenFill xmlns:a14="http://schemas.microsoft.com/office/drawing/2010/main">
-                <a:solidFill>
-                  <a:srgbClr val="FFFFFF"/>
-                </a:solidFill>
-              </a14:hiddenFill>
-            </a:ext>
-          </a:extLst>
-        </p:spPr>
-      </p:pic>
-      <p:pic>
-        <p:nvPicPr>
-          <p:cNvPr id="5" name="Picture 2" descr="Algorithms, 4th Edition by Robert Sedgewick and Kevin Wayne"/>
-          <p:cNvPicPr>
-            <a:picLocks noChangeAspect="1" noChangeArrowheads="1"/>
-          </p:cNvPicPr>
-          <p:nvPr/>
-        </p:nvPicPr>
-        <p:blipFill>
-          <a:blip r:embed="rId4" cstate="print">
-            <a:extLst>
-              <a:ext uri="{28A0092B-C50C-407E-A947-70E740481C1C}">
-                <a14:useLocalDpi xmlns:a14="http://schemas.microsoft.com/office/drawing/2010/main" val="0"/>
-              </a:ext>
-            </a:extLst>
-          </a:blip>
-          <a:srcRect/>
-          <a:stretch>
-            <a:fillRect/>
-          </a:stretch>
-        </p:blipFill>
-        <p:spPr bwMode="auto">
-          <a:xfrm>
-            <a:off x="6974946" y="4600401"/>
-            <a:ext cx="1417214" cy="1780506"/>
-          </a:xfrm>
-          <a:prstGeom prst="rect">
-            <a:avLst/>
-          </a:prstGeom>
-          <a:noFill/>
-          <a:extLst>
-            <a:ext uri="{909E8E84-426E-40DD-AFC4-6F175D3DCCD1}">
-              <a14:hiddenFill xmlns:a14="http://schemas.microsoft.com/office/drawing/2010/main">
-                <a:solidFill>
-                  <a:srgbClr val="FFFFFF"/>
-                </a:solidFill>
-              </a14:hiddenFill>
-            </a:ext>
-          </a:extLst>
-        </p:spPr>
-      </p:pic>
-    </p:spTree>
-    <p:extLst>
-      <p:ext uri="{BB962C8B-B14F-4D97-AF65-F5344CB8AC3E}">
-        <p14:creationId xmlns:p14="http://schemas.microsoft.com/office/powerpoint/2010/main" val="3560851733"/>
-      </p:ext>
-    </p:extLst>
-  </p:cSld>
-  <p:clrMapOvr>
-    <a:masterClrMapping/>
-  </p:clrMapOvr>
-  <p:timing>
-    <p:tnLst>
-      <p:par>
-        <p:cTn id="1" dur="indefinite" restart="never" nodeType="tmRoot">
-          <p:childTnLst>
-            <p:seq concurrent="1" nextAc="seek">
-              <p:cTn id="2" dur="indefinite" nodeType="mainSeq">
-                <p:childTnLst>
-                  <p:par>
-                    <p:cTn id="3" fill="hold">
-                      <p:stCondLst>
-                        <p:cond delay="indefinite"/>
-                      </p:stCondLst>
-                      <p:childTnLst>
-                        <p:par>
-                          <p:cTn id="4" fill="hold">
-                            <p:stCondLst>
-                              <p:cond delay="0"/>
-                            </p:stCondLst>
-                            <p:childTnLst>
-                              <p:par>
-                                <p:cTn id="5" presetID="1" presetClass="entr" presetSubtype="0" fill="hold" nodeType="clickEffect">
-                                  <p:stCondLst>
-                                    <p:cond delay="0"/>
-                                  </p:stCondLst>
-                                  <p:childTnLst>
-                                    <p:set>
-                                      <p:cBhvr>
-                                        <p:cTn id="6" dur="1" fill="hold">
-                                          <p:stCondLst>
-                                            <p:cond delay="0"/>
-                                          </p:stCondLst>
-                                        </p:cTn>
-                                        <p:tgtEl>
-                                          <p:spTgt spid="3">
-                                            <p:txEl>
-                                              <p:pRg st="2" end="2"/>
-                                            </p:txEl>
-                                          </p:spTgt>
-                                        </p:tgtEl>
-                                        <p:attrNameLst>
-                                          <p:attrName>style.visibility</p:attrName>
-                                        </p:attrNameLst>
-                                      </p:cBhvr>
-                                      <p:to>
-                                        <p:strVal val="visible"/>
-                                      </p:to>
-                                    </p:set>
-                                  </p:childTnLst>
-                                </p:cTn>
-                              </p:par>
-                              <p:par>
-                                <p:cTn id="7" presetID="1" presetClass="entr" presetSubtype="0" fill="hold" nodeType="withEffect">
-                                  <p:stCondLst>
-                                    <p:cond delay="0"/>
-                                  </p:stCondLst>
-                                  <p:childTnLst>
-                                    <p:set>
-                                      <p:cBhvr>
-                                        <p:cTn id="8" dur="1" fill="hold">
-                                          <p:stCondLst>
-                                            <p:cond delay="0"/>
-                                          </p:stCondLst>
-                                        </p:cTn>
-                                        <p:tgtEl>
-                                          <p:spTgt spid="3">
-                                            <p:txEl>
-                                              <p:pRg st="3" end="3"/>
-                                            </p:txEl>
-                                          </p:spTgt>
-                                        </p:tgtEl>
-                                        <p:attrNameLst>
-                                          <p:attrName>style.visibility</p:attrName>
-                                        </p:attrNameLst>
-                                      </p:cBhvr>
-                                      <p:to>
-                                        <p:strVal val="visible"/>
-                                      </p:to>
-                                    </p:set>
-                                  </p:childTnLst>
-                                </p:cTn>
-                              </p:par>
-                              <p:par>
-                                <p:cTn id="9" presetID="1" presetClass="entr" presetSubtype="0" fill="hold" nodeType="withEffect">
-                                  <p:stCondLst>
-                                    <p:cond delay="0"/>
-                                  </p:stCondLst>
-                                  <p:childTnLst>
-                                    <p:set>
-                                      <p:cBhvr>
-                                        <p:cTn id="10" dur="1" fill="hold">
-                                          <p:stCondLst>
-                                            <p:cond delay="0"/>
-                                          </p:stCondLst>
-                                        </p:cTn>
-                                        <p:tgtEl>
-                                          <p:spTgt spid="3">
-                                            <p:txEl>
-                                              <p:pRg st="4" end="4"/>
-                                            </p:txEl>
-                                          </p:spTgt>
-                                        </p:tgtEl>
-                                        <p:attrNameLst>
-                                          <p:attrName>style.visibility</p:attrName>
-                                        </p:attrNameLst>
-                                      </p:cBhvr>
-                                      <p:to>
-                                        <p:strVal val="visible"/>
-                                      </p:to>
-                                    </p:set>
-                                  </p:childTnLst>
-                                </p:cTn>
-                              </p:par>
-                              <p:par>
-                                <p:cTn id="11" presetID="1" presetClass="entr" presetSubtype="0" fill="hold" nodeType="withEffect">
-                                  <p:stCondLst>
-                                    <p:cond delay="0"/>
-                                  </p:stCondLst>
-                                  <p:childTnLst>
-                                    <p:set>
-                                      <p:cBhvr>
-                                        <p:cTn id="12" dur="1" fill="hold">
-                                          <p:stCondLst>
-                                            <p:cond delay="0"/>
-                                          </p:stCondLst>
-                                        </p:cTn>
-                                        <p:tgtEl>
-                                          <p:spTgt spid="1028"/>
-                                        </p:tgtEl>
-                                        <p:attrNameLst>
-                                          <p:attrName>style.visibility</p:attrName>
-                                        </p:attrNameLst>
-                                      </p:cBhvr>
-                                      <p:to>
-                                        <p:strVal val="visible"/>
-                                      </p:to>
-                                    </p:set>
-                                  </p:childTnLst>
-                                </p:cTn>
-                              </p:par>
-                            </p:childTnLst>
-                          </p:cTn>
-                        </p:par>
-                      </p:childTnLst>
-                    </p:cTn>
-                  </p:par>
-                  <p:par>
-                    <p:cTn id="13" fill="hold">
-                      <p:stCondLst>
-                        <p:cond delay="indefinite"/>
-                      </p:stCondLst>
-                      <p:childTnLst>
-                        <p:par>
-                          <p:cTn id="14" fill="hold">
-                            <p:stCondLst>
-                              <p:cond delay="0"/>
-                            </p:stCondLst>
-                            <p:childTnLst>
-                              <p:par>
-                                <p:cTn id="15" presetID="1" presetClass="entr" presetSubtype="0" fill="hold" nodeType="clickEffect">
-                                  <p:stCondLst>
-                                    <p:cond delay="0"/>
-                                  </p:stCondLst>
-                                  <p:childTnLst>
-                                    <p:set>
-                                      <p:cBhvr>
-                                        <p:cTn id="16" dur="1" fill="hold">
-                                          <p:stCondLst>
-                                            <p:cond delay="0"/>
-                                          </p:stCondLst>
-                                        </p:cTn>
-                                        <p:tgtEl>
-                                          <p:spTgt spid="3">
-                                            <p:txEl>
-                                              <p:pRg st="6" end="6"/>
-                                            </p:txEl>
-                                          </p:spTgt>
-                                        </p:tgtEl>
-                                        <p:attrNameLst>
-                                          <p:attrName>style.visibility</p:attrName>
-                                        </p:attrNameLst>
-                                      </p:cBhvr>
-                                      <p:to>
-                                        <p:strVal val="visible"/>
-                                      </p:to>
-                                    </p:set>
-                                  </p:childTnLst>
-                                </p:cTn>
-                              </p:par>
-                              <p:par>
-                                <p:cTn id="17" presetID="1" presetClass="entr" presetSubtype="0" fill="hold" nodeType="withEffect">
-                                  <p:stCondLst>
-                                    <p:cond delay="0"/>
-                                  </p:stCondLst>
-                                  <p:childTnLst>
-                                    <p:set>
-                                      <p:cBhvr>
-                                        <p:cTn id="18" dur="1" fill="hold">
-                                          <p:stCondLst>
-                                            <p:cond delay="0"/>
-                                          </p:stCondLst>
-                                        </p:cTn>
-                                        <p:tgtEl>
-                                          <p:spTgt spid="3">
-                                            <p:txEl>
-                                              <p:pRg st="7" end="7"/>
-                                            </p:txEl>
-                                          </p:spTgt>
-                                        </p:tgtEl>
-                                        <p:attrNameLst>
-                                          <p:attrName>style.visibility</p:attrName>
-                                        </p:attrNameLst>
-                                      </p:cBhvr>
-                                      <p:to>
-                                        <p:strVal val="visible"/>
-                                      </p:to>
-                                    </p:set>
-                                  </p:childTnLst>
-                                </p:cTn>
-                              </p:par>
-                              <p:par>
-                                <p:cTn id="19" presetID="1" presetClass="entr" presetSubtype="0" fill="hold" nodeType="withEffect">
-                                  <p:stCondLst>
-                                    <p:cond delay="0"/>
-                                  </p:stCondLst>
-                                  <p:childTnLst>
-                                    <p:set>
-                                      <p:cBhvr>
-                                        <p:cTn id="20" dur="1" fill="hold">
-                                          <p:stCondLst>
-                                            <p:cond delay="0"/>
-                                          </p:stCondLst>
-                                        </p:cTn>
-                                        <p:tgtEl>
-                                          <p:spTgt spid="3">
-                                            <p:txEl>
-                                              <p:pRg st="8" end="8"/>
-                                            </p:txEl>
-                                          </p:spTgt>
-                                        </p:tgtEl>
-                                        <p:attrNameLst>
-                                          <p:attrName>style.visibility</p:attrName>
-                                        </p:attrNameLst>
-                                      </p:cBhvr>
-                                      <p:to>
-                                        <p:strVal val="visible"/>
-                                      </p:to>
-                                    </p:set>
-                                  </p:childTnLst>
-                                </p:cTn>
-                              </p:par>
-                              <p:par>
-                                <p:cTn id="21" presetID="1" presetClass="entr" presetSubtype="0" fill="hold" nodeType="withEffect">
-                                  <p:stCondLst>
-                                    <p:cond delay="0"/>
-                                  </p:stCondLst>
-                                  <p:childTnLst>
-                                    <p:set>
-                                      <p:cBhvr>
-                                        <p:cTn id="22" dur="1" fill="hold">
-                                          <p:stCondLst>
-                                            <p:cond delay="0"/>
-                                          </p:stCondLst>
-                                        </p:cTn>
-                                        <p:tgtEl>
-                                          <p:spTgt spid="3">
-                                            <p:txEl>
-                                              <p:pRg st="9" end="9"/>
-                                            </p:txEl>
-                                          </p:spTgt>
-                                        </p:tgtEl>
-                                        <p:attrNameLst>
-                                          <p:attrName>style.visibility</p:attrName>
-                                        </p:attrNameLst>
-                                      </p:cBhvr>
-                                      <p:to>
-                                        <p:strVal val="visible"/>
-                                      </p:to>
-                                    </p:set>
-                                  </p:childTnLst>
-                                </p:cTn>
-                              </p:par>
-                              <p:par>
-                                <p:cTn id="23" presetID="1" presetClass="entr" presetSubtype="0" fill="hold" nodeType="withEffect">
-                                  <p:stCondLst>
-                                    <p:cond delay="0"/>
-                                  </p:stCondLst>
-                                  <p:childTnLst>
-                                    <p:set>
-                                      <p:cBhvr>
-                                        <p:cTn id="24" dur="1" fill="hold">
-                                          <p:stCondLst>
-                                            <p:cond delay="0"/>
-                                          </p:stCondLst>
-                                        </p:cTn>
-                                        <p:tgtEl>
-                                          <p:spTgt spid="5"/>
-                                        </p:tgtEl>
-                                        <p:attrNameLst>
-                                          <p:attrName>style.visibility</p:attrName>
-                                        </p:attrNameLst>
-                                      </p:cBhvr>
-                                      <p:to>
-                                        <p:strVal val="visible"/>
-                                      </p:to>
-                                    </p:set>
-                                  </p:childTnLst>
-                                </p:cTn>
-                              </p:par>
-                            </p:childTnLst>
-                          </p:cTn>
-                        </p:par>
-                      </p:childTnLst>
-                    </p:cTn>
-                  </p:par>
-                </p:childTnLst>
-              </p:cTn>
-              <p:prevCondLst>
-                <p:cond evt="onPrev" delay="0">
-                  <p:tgtEl>
-                    <p:sldTgt/>
-                  </p:tgtEl>
-                </p:cond>
-              </p:prevCondLst>
-              <p:nextCondLst>
-                <p:cond evt="onNext" delay="0">
-                  <p:tgtEl>
-                    <p:sldTgt/>
-                  </p:tgtEl>
-                </p:cond>
-              </p:nextCondLst>
-            </p:seq>
-          </p:childTnLst>
-        </p:cTn>
-      </p:par>
-    </p:tnLst>
-  </p:timing>
-</p:sld>
-</file>
-
-<file path=ppt/slides/slide40.xml><?xml version="1.0" encoding="utf-8"?>
+<file path=ppt/slides/slide41.xml><?xml version="1.0" encoding="utf-8"?>
 <p:sld xmlns:a="http://schemas.openxmlformats.org/drawingml/2006/main" xmlns:r="http://schemas.openxmlformats.org/officeDocument/2006/relationships" xmlns:p="http://schemas.openxmlformats.org/presentationml/2006/main">
   <p:cSld>
     <p:spTree>
@@ -21576,7 +21760,7 @@
 </p:sld>
 </file>
 
-<file path=ppt/slides/slide41.xml><?xml version="1.0" encoding="utf-8"?>
+<file path=ppt/slides/slide42.xml><?xml version="1.0" encoding="utf-8"?>
 <p:sld xmlns:a="http://schemas.openxmlformats.org/drawingml/2006/main" xmlns:r="http://schemas.openxmlformats.org/officeDocument/2006/relationships" xmlns:p="http://schemas.openxmlformats.org/presentationml/2006/main">
   <p:cSld>
     <p:spTree>
@@ -21871,7 +22055,7 @@
 </p:sld>
 </file>
 
-<file path=ppt/slides/slide42.xml><?xml version="1.0" encoding="utf-8"?>
+<file path=ppt/slides/slide43.xml><?xml version="1.0" encoding="utf-8"?>
 <p:sld xmlns:a="http://schemas.openxmlformats.org/drawingml/2006/main" xmlns:r="http://schemas.openxmlformats.org/officeDocument/2006/relationships" xmlns:p="http://schemas.openxmlformats.org/presentationml/2006/main">
   <p:cSld>
     <p:spTree>
@@ -22202,7 +22386,7 @@
 </p:sld>
 </file>
 
-<file path=ppt/slides/slide43.xml><?xml version="1.0" encoding="utf-8"?>
+<file path=ppt/slides/slide44.xml><?xml version="1.0" encoding="utf-8"?>
 <p:sld xmlns:a="http://schemas.openxmlformats.org/drawingml/2006/main" xmlns:r="http://schemas.openxmlformats.org/officeDocument/2006/relationships" xmlns:p="http://schemas.openxmlformats.org/presentationml/2006/main">
   <p:cSld>
     <p:spTree>
@@ -22555,7 +22739,7 @@
 </p:sld>
 </file>
 
-<file path=ppt/slides/slide44.xml><?xml version="1.0" encoding="utf-8"?>
+<file path=ppt/slides/slide45.xml><?xml version="1.0" encoding="utf-8"?>
 <p:sld xmlns:a="http://schemas.openxmlformats.org/drawingml/2006/main" xmlns:r="http://schemas.openxmlformats.org/officeDocument/2006/relationships" xmlns:p="http://schemas.openxmlformats.org/presentationml/2006/main">
   <p:cSld>
     <p:spTree>
@@ -23020,7 +23204,7 @@
 </p:sld>
 </file>
 
-<file path=ppt/slides/slide45.xml><?xml version="1.0" encoding="utf-8"?>
+<file path=ppt/slides/slide46.xml><?xml version="1.0" encoding="utf-8"?>
 <p:sld xmlns:a="http://schemas.openxmlformats.org/drawingml/2006/main" xmlns:r="http://schemas.openxmlformats.org/officeDocument/2006/relationships" xmlns:p="http://schemas.openxmlformats.org/presentationml/2006/main">
   <p:cSld>
     <p:spTree>
@@ -23470,6 +23654,36 @@
           </a:p>
         </p:txBody>
       </p:sp>
+      <p:pic>
+        <p:nvPicPr>
+          <p:cNvPr id="9" name="Afbeelding 8">
+            <a:extLst>
+              <a:ext uri="{FF2B5EF4-FFF2-40B4-BE49-F238E27FC236}">
+                <a16:creationId xmlns:a16="http://schemas.microsoft.com/office/drawing/2014/main" id="{145D7630-F3CE-4446-906B-809E74EB981F}"/>
+              </a:ext>
+            </a:extLst>
+          </p:cNvPr>
+          <p:cNvPicPr>
+            <a:picLocks noChangeAspect="1"/>
+          </p:cNvPicPr>
+          <p:nvPr/>
+        </p:nvPicPr>
+        <p:blipFill>
+          <a:blip r:embed="rId3"/>
+          <a:stretch>
+            <a:fillRect/>
+          </a:stretch>
+        </p:blipFill>
+        <p:spPr>
+          <a:xfrm>
+            <a:off x="5970685" y="1312866"/>
+            <a:ext cx="3303317" cy="396827"/>
+          </a:xfrm>
+          <a:prstGeom prst="rect">
+            <a:avLst/>
+          </a:prstGeom>
+        </p:spPr>
+      </p:pic>
     </p:spTree>
     <p:extLst>
       <p:ext uri="{BB962C8B-B14F-4D97-AF65-F5344CB8AC3E}">
@@ -23624,6 +23838,33 @@
                                   </p:childTnLst>
                                 </p:cTn>
                               </p:par>
+                              <p:par>
+                                <p:cTn id="13" presetID="1" presetClass="entr" presetSubtype="0" fill="hold" nodeType="withEffect">
+                                  <p:stCondLst>
+                                    <p:cond delay="0"/>
+                                  </p:stCondLst>
+                                  <p:childTnLst>
+                                    <p:set>
+                                      <p:cBhvr>
+                                        <p:cTn id="14" dur="1" fill="hold">
+                                          <p:stCondLst>
+                                            <p:cond delay="0"/>
+                                          </p:stCondLst>
+                                        </p:cTn>
+                                        <p:tgtEl>
+                                          <p:spTgt spid="9"/>
+                                        </p:tgtEl>
+                                        <p:attrNameLst>
+                                          <p:attrName>style.visibility</p:attrName>
+                                        </p:attrNameLst>
+                                      </p:cBhvr>
+                                      <p:to>
+                                        <p:strVal val="visible"/>
+                                      </p:to>
+                                    </p:set>
+                                  </p:childTnLst>
+                                </p:cTn>
+                              </p:par>
                             </p:childTnLst>
                           </p:cTn>
                         </p:par>
@@ -23655,7 +23896,7 @@
 </p:sld>
 </file>
 
-<file path=ppt/slides/slide46.xml><?xml version="1.0" encoding="utf-8"?>
+<file path=ppt/slides/slide47.xml><?xml version="1.0" encoding="utf-8"?>
 <p:sld xmlns:a="http://schemas.openxmlformats.org/drawingml/2006/main" xmlns:r="http://schemas.openxmlformats.org/officeDocument/2006/relationships" xmlns:p="http://schemas.openxmlformats.org/presentationml/2006/main">
   <p:cSld>
     <p:spTree>
@@ -23989,7 +24230,7 @@
 </p:sld>
 </file>
 
-<file path=ppt/slides/slide47.xml><?xml version="1.0" encoding="utf-8"?>
+<file path=ppt/slides/slide48.xml><?xml version="1.0" encoding="utf-8"?>
 <p:sld xmlns:a="http://schemas.openxmlformats.org/drawingml/2006/main" xmlns:r="http://schemas.openxmlformats.org/officeDocument/2006/relationships" xmlns:p="http://schemas.openxmlformats.org/presentationml/2006/main">
   <p:cSld>
     <p:spTree>
@@ -24349,7 +24590,7 @@
 </p:sld>
 </file>
 
-<file path=ppt/slides/slide48.xml><?xml version="1.0" encoding="utf-8"?>
+<file path=ppt/slides/slide49.xml><?xml version="1.0" encoding="utf-8"?>
 <p:sld xmlns:a="http://schemas.openxmlformats.org/drawingml/2006/main" xmlns:r="http://schemas.openxmlformats.org/officeDocument/2006/relationships" xmlns:p="http://schemas.openxmlformats.org/presentationml/2006/main">
   <p:cSld>
     <p:spTree>
@@ -24453,110 +24694,6 @@
 </p:sld>
 </file>
 
-<file path=ppt/slides/slide49.xml><?xml version="1.0" encoding="utf-8"?>
-<p:sld xmlns:a="http://schemas.openxmlformats.org/drawingml/2006/main" xmlns:r="http://schemas.openxmlformats.org/officeDocument/2006/relationships" xmlns:p="http://schemas.openxmlformats.org/presentationml/2006/main">
-  <p:cSld>
-    <p:spTree>
-      <p:nvGrpSpPr>
-        <p:cNvPr id="1" name=""/>
-        <p:cNvGrpSpPr/>
-        <p:nvPr/>
-      </p:nvGrpSpPr>
-      <p:grpSpPr>
-        <a:xfrm>
-          <a:off x="0" y="0"/>
-          <a:ext cx="0" cy="0"/>
-          <a:chOff x="0" y="0"/>
-          <a:chExt cx="0" cy="0"/>
-        </a:xfrm>
-      </p:grpSpPr>
-      <p:sp>
-        <p:nvSpPr>
-          <p:cNvPr id="2" name="Title 1"/>
-          <p:cNvSpPr>
-            <a:spLocks noGrp="1"/>
-          </p:cNvSpPr>
-          <p:nvPr>
-            <p:ph type="title"/>
-          </p:nvPr>
-        </p:nvSpPr>
-        <p:spPr/>
-        <p:txBody>
-          <a:bodyPr/>
-          <a:lstStyle/>
-          <a:p>
-            <a:r>
-              <a:rPr lang="en-GB" dirty="0"/>
-              <a:t>Big O notation comparison</a:t>
-            </a:r>
-          </a:p>
-        </p:txBody>
-      </p:sp>
-      <p:pic>
-        <p:nvPicPr>
-          <p:cNvPr id="5" name="Content Placeholder 4"/>
-          <p:cNvPicPr>
-            <a:picLocks noGrp="1" noChangeAspect="1"/>
-          </p:cNvPicPr>
-          <p:nvPr>
-            <p:ph idx="1"/>
-          </p:nvPr>
-        </p:nvPicPr>
-        <p:blipFill>
-          <a:blip r:embed="rId2">
-            <a:extLst>
-              <a:ext uri="{28A0092B-C50C-407E-A947-70E740481C1C}">
-                <a14:useLocalDpi xmlns:a14="http://schemas.microsoft.com/office/drawing/2010/main" val="0"/>
-              </a:ext>
-            </a:extLst>
-          </a:blip>
-          <a:stretch>
-            <a:fillRect/>
-          </a:stretch>
-        </p:blipFill>
-        <p:spPr>
-          <a:xfrm>
-            <a:off x="2222973" y="1714800"/>
-            <a:ext cx="6593829" cy="3953561"/>
-          </a:xfrm>
-        </p:spPr>
-      </p:pic>
-      <p:sp>
-        <p:nvSpPr>
-          <p:cNvPr id="4" name="Footer Placeholder 3"/>
-          <p:cNvSpPr>
-            <a:spLocks noGrp="1"/>
-          </p:cNvSpPr>
-          <p:nvPr>
-            <p:ph type="ftr" sz="quarter" idx="11"/>
-          </p:nvPr>
-        </p:nvSpPr>
-        <p:spPr/>
-        <p:txBody>
-          <a:bodyPr/>
-          <a:lstStyle/>
-          <a:p>
-            <a:r>
-              <a:rPr lang="it-IT"/>
-              <a:t>INFDEV036A - G. Costantini, F. Di Giacomo</a:t>
-            </a:r>
-            <a:endParaRPr lang="en-GB"/>
-          </a:p>
-        </p:txBody>
-      </p:sp>
-    </p:spTree>
-    <p:extLst>
-      <p:ext uri="{BB962C8B-B14F-4D97-AF65-F5344CB8AC3E}">
-        <p14:creationId xmlns:p14="http://schemas.microsoft.com/office/powerpoint/2010/main" val="773058811"/>
-      </p:ext>
-    </p:extLst>
-  </p:cSld>
-  <p:clrMapOvr>
-    <a:masterClrMapping/>
-  </p:clrMapOvr>
-</p:sld>
-</file>
-
 <file path=ppt/slides/slide5.xml><?xml version="1.0" encoding="utf-8"?>
 <p:sld xmlns:a="http://schemas.openxmlformats.org/drawingml/2006/main" xmlns:r="http://schemas.openxmlformats.org/officeDocument/2006/relationships" xmlns:p="http://schemas.openxmlformats.org/presentationml/2006/main">
   <p:cSld>
@@ -24596,8 +24733,8 @@
           </a:p>
         </p:txBody>
       </p:sp>
-      <mc:AlternateContent xmlns:mc="http://schemas.openxmlformats.org/markup-compatibility/2006" xmlns:a14="http://schemas.microsoft.com/office/drawing/2010/main">
-        <mc:Choice Requires="a14">
+      <mc:AlternateContent xmlns:mc="http://schemas.openxmlformats.org/markup-compatibility/2006">
+        <mc:Choice xmlns:a14="http://schemas.microsoft.com/office/drawing/2010/main" Requires="a14">
           <p:sp>
             <p:nvSpPr>
               <p:cNvPr id="3" name="Content Placeholder 2"/>
@@ -24670,12 +24807,9 @@
                 </a:r>
                 <a:r>
                   <a:rPr lang="en-GB" b="1" u="sng" dirty="0"/>
-                  <a:t>to be admitted </a:t>
+                  <a:t>to pass the course</a:t>
                 </a:r>
-                <a:r>
-                  <a:rPr lang="en-GB" dirty="0"/>
-                  <a:t>to the practical assessment</a:t>
-                </a:r>
+                <a:endParaRPr lang="en-GB" dirty="0"/>
               </a:p>
               <a:p>
                 <a:pPr lvl="2"/>
@@ -24706,7 +24840,7 @@
               <a:p>
                 <a:pPr lvl="2"/>
                 <a:r>
-                  <a:rPr lang="en-GB" dirty="0"/>
+                  <a:rPr lang="en-GB" b="1" dirty="0"/>
                   <a:t>Determines the final grade</a:t>
                 </a:r>
               </a:p>
@@ -24721,40 +24855,13 @@
                 <a:pPr lvl="2"/>
                 <a:r>
                   <a:rPr lang="en-GB" dirty="0"/>
-                  <a:t>To help you practice…</a:t>
+                  <a:t>To help you practice: implementation homework given every week</a:t>
                 </a:r>
-              </a:p>
-              <a:p>
-                <a:pPr lvl="3"/>
-                <a:r>
-                  <a:rPr lang="en-GB" dirty="0"/>
-                  <a:t>Every week, implementation homework </a:t>
-                </a:r>
-              </a:p>
-              <a:p>
-                <a:pPr lvl="3"/>
-                <a:r>
-                  <a:rPr lang="en-GB" dirty="0"/>
-                  <a:t>Practical assignment (building algorithms in a realistic setting)</a:t>
-                </a:r>
-              </a:p>
-              <a:p>
-                <a:pPr marL="1371600" lvl="3" indent="0">
-                  <a:buNone/>
-                </a:pPr>
-                <a:r>
-                  <a:rPr lang="en-GB" dirty="0"/>
-                  <a:t> </a:t>
-                </a:r>
-              </a:p>
-              <a:p>
-                <a:pPr lvl="3"/>
-                <a:endParaRPr lang="en-GB" dirty="0"/>
               </a:p>
             </p:txBody>
           </p:sp>
         </mc:Choice>
-        <mc:Fallback xmlns="">
+        <mc:Fallback>
           <p:sp>
             <p:nvSpPr>
               <p:cNvPr id="3" name="Content Placeholder 2"/>
@@ -24808,10 +24915,10 @@
           <a:lstStyle/>
           <a:p>
             <a:r>
-              <a:rPr lang="it-IT"/>
+              <a:rPr lang="it-IT" dirty="0"/>
               <a:t>INFDEV036A - G. Costantini, F. Di Giacomo</a:t>
             </a:r>
-            <a:endParaRPr lang="en-GB"/>
+            <a:endParaRPr lang="en-GB" dirty="0"/>
           </a:p>
         </p:txBody>
       </p:sp>
@@ -25080,99 +25187,6 @@
                                   </p:childTnLst>
                                 </p:cTn>
                               </p:par>
-                              <p:par>
-                                <p:cTn id="21" presetID="1" presetClass="entr" presetSubtype="0" fill="hold" nodeType="withEffect">
-                                  <p:stCondLst>
-                                    <p:cond delay="0"/>
-                                  </p:stCondLst>
-                                  <p:childTnLst>
-                                    <p:set>
-                                      <p:cBhvr>
-                                        <p:cTn id="22" dur="1" fill="hold">
-                                          <p:stCondLst>
-                                            <p:cond delay="0"/>
-                                          </p:stCondLst>
-                                        </p:cTn>
-                                        <p:tgtEl>
-                                          <p:spTgt spid="3">
-                                            <p:txEl>
-                                              <p:pRg st="10" end="10"/>
-                                            </p:txEl>
-                                          </p:spTgt>
-                                        </p:tgtEl>
-                                        <p:attrNameLst>
-                                          <p:attrName>style.visibility</p:attrName>
-                                        </p:attrNameLst>
-                                      </p:cBhvr>
-                                      <p:to>
-                                        <p:strVal val="visible"/>
-                                      </p:to>
-                                    </p:set>
-                                  </p:childTnLst>
-                                </p:cTn>
-                              </p:par>
-                              <p:par>
-                                <p:cTn id="23" presetID="1" presetClass="entr" presetSubtype="0" fill="hold" nodeType="withEffect">
-                                  <p:stCondLst>
-                                    <p:cond delay="0"/>
-                                  </p:stCondLst>
-                                  <p:childTnLst>
-                                    <p:set>
-                                      <p:cBhvr>
-                                        <p:cTn id="24" dur="1" fill="hold">
-                                          <p:stCondLst>
-                                            <p:cond delay="0"/>
-                                          </p:stCondLst>
-                                        </p:cTn>
-                                        <p:tgtEl>
-                                          <p:spTgt spid="3">
-                                            <p:txEl>
-                                              <p:pRg st="11" end="11"/>
-                                            </p:txEl>
-                                          </p:spTgt>
-                                        </p:tgtEl>
-                                        <p:attrNameLst>
-                                          <p:attrName>style.visibility</p:attrName>
-                                        </p:attrNameLst>
-                                      </p:cBhvr>
-                                      <p:to>
-                                        <p:strVal val="visible"/>
-                                      </p:to>
-                                    </p:set>
-                                  </p:childTnLst>
-                                </p:cTn>
-                              </p:par>
-                              <p:par>
-                                <p:cTn id="25" presetID="1" presetClass="entr" presetSubtype="0" fill="hold" nodeType="withEffect">
-                                  <p:stCondLst>
-                                    <p:cond delay="0"/>
-                                  </p:stCondLst>
-                                  <p:childTnLst>
-                                    <p:set>
-                                      <p:cBhvr>
-                                        <p:cTn id="26" dur="1" fill="hold">
-                                          <p:stCondLst>
-                                            <p:cond delay="0"/>
-                                          </p:stCondLst>
-                                        </p:cTn>
-                                        <p:tgtEl>
-                                          <p:spTgt spid="3">
-                                            <p:txEl>
-                                              <p:pRg st="12" end="12"/>
-                                            </p:txEl>
-                                          </p:spTgt>
-                                        </p:tgtEl>
-                                        <p:attrNameLst>
-                                          <p:attrName>style.visibility</p:attrName>
-                                        </p:attrNameLst>
-                                      </p:cBhvr>
-                                      <p:to>
-                                        <p:strVal val="visible"/>
-                                      </p:to>
-                                    </p:set>
-                                  </p:childTnLst>
-                                </p:cTn>
-                              </p:par>
                             </p:childTnLst>
                           </p:cTn>
                         </p:par>
@@ -25243,6 +25257,110 @@
           </a:p>
         </p:txBody>
       </p:sp>
+      <p:pic>
+        <p:nvPicPr>
+          <p:cNvPr id="5" name="Content Placeholder 4"/>
+          <p:cNvPicPr>
+            <a:picLocks noGrp="1" noChangeAspect="1"/>
+          </p:cNvPicPr>
+          <p:nvPr>
+            <p:ph idx="1"/>
+          </p:nvPr>
+        </p:nvPicPr>
+        <p:blipFill>
+          <a:blip r:embed="rId2">
+            <a:extLst>
+              <a:ext uri="{28A0092B-C50C-407E-A947-70E740481C1C}">
+                <a14:useLocalDpi xmlns:a14="http://schemas.microsoft.com/office/drawing/2010/main" val="0"/>
+              </a:ext>
+            </a:extLst>
+          </a:blip>
+          <a:stretch>
+            <a:fillRect/>
+          </a:stretch>
+        </p:blipFill>
+        <p:spPr>
+          <a:xfrm>
+            <a:off x="2222973" y="1714800"/>
+            <a:ext cx="6593829" cy="3953561"/>
+          </a:xfrm>
+        </p:spPr>
+      </p:pic>
+      <p:sp>
+        <p:nvSpPr>
+          <p:cNvPr id="4" name="Footer Placeholder 3"/>
+          <p:cNvSpPr>
+            <a:spLocks noGrp="1"/>
+          </p:cNvSpPr>
+          <p:nvPr>
+            <p:ph type="ftr" sz="quarter" idx="11"/>
+          </p:nvPr>
+        </p:nvSpPr>
+        <p:spPr/>
+        <p:txBody>
+          <a:bodyPr/>
+          <a:lstStyle/>
+          <a:p>
+            <a:r>
+              <a:rPr lang="it-IT"/>
+              <a:t>INFDEV036A - G. Costantini, F. Di Giacomo</a:t>
+            </a:r>
+            <a:endParaRPr lang="en-GB"/>
+          </a:p>
+        </p:txBody>
+      </p:sp>
+    </p:spTree>
+    <p:extLst>
+      <p:ext uri="{BB962C8B-B14F-4D97-AF65-F5344CB8AC3E}">
+        <p14:creationId xmlns:p14="http://schemas.microsoft.com/office/powerpoint/2010/main" val="773058811"/>
+      </p:ext>
+    </p:extLst>
+  </p:cSld>
+  <p:clrMapOvr>
+    <a:masterClrMapping/>
+  </p:clrMapOvr>
+</p:sld>
+</file>
+
+<file path=ppt/slides/slide51.xml><?xml version="1.0" encoding="utf-8"?>
+<p:sld xmlns:a="http://schemas.openxmlformats.org/drawingml/2006/main" xmlns:r="http://schemas.openxmlformats.org/officeDocument/2006/relationships" xmlns:p="http://schemas.openxmlformats.org/presentationml/2006/main">
+  <p:cSld>
+    <p:spTree>
+      <p:nvGrpSpPr>
+        <p:cNvPr id="1" name=""/>
+        <p:cNvGrpSpPr/>
+        <p:nvPr/>
+      </p:nvGrpSpPr>
+      <p:grpSpPr>
+        <a:xfrm>
+          <a:off x="0" y="0"/>
+          <a:ext cx="0" cy="0"/>
+          <a:chOff x="0" y="0"/>
+          <a:chExt cx="0" cy="0"/>
+        </a:xfrm>
+      </p:grpSpPr>
+      <p:sp>
+        <p:nvSpPr>
+          <p:cNvPr id="2" name="Title 1"/>
+          <p:cNvSpPr>
+            <a:spLocks noGrp="1"/>
+          </p:cNvSpPr>
+          <p:nvPr>
+            <p:ph type="title"/>
+          </p:nvPr>
+        </p:nvSpPr>
+        <p:spPr/>
+        <p:txBody>
+          <a:bodyPr/>
+          <a:lstStyle/>
+          <a:p>
+            <a:r>
+              <a:rPr lang="en-GB" dirty="0"/>
+              <a:t>Big O notation comparison</a:t>
+            </a:r>
+          </a:p>
+        </p:txBody>
+      </p:sp>
       <p:sp>
         <p:nvSpPr>
           <p:cNvPr id="4" name="Footer Placeholder 3"/>
@@ -25309,7 +25427,7 @@
 </p:sld>
 </file>
 
-<file path=ppt/slides/slide51.xml><?xml version="1.0" encoding="utf-8"?>
+<file path=ppt/slides/slide52.xml><?xml version="1.0" encoding="utf-8"?>
 <p:sld xmlns:a="http://schemas.openxmlformats.org/drawingml/2006/main" xmlns:r="http://schemas.openxmlformats.org/officeDocument/2006/relationships" xmlns:p="http://schemas.openxmlformats.org/presentationml/2006/main">
   <p:cSld>
     <p:spTree>
@@ -25413,7 +25531,7 @@
 </p:sld>
 </file>
 
-<file path=ppt/slides/slide52.xml><?xml version="1.0" encoding="utf-8"?>
+<file path=ppt/slides/slide53.xml><?xml version="1.0" encoding="utf-8"?>
 <p:sld xmlns:a="http://schemas.openxmlformats.org/drawingml/2006/main" xmlns:r="http://schemas.openxmlformats.org/officeDocument/2006/relationships" xmlns:p="http://schemas.openxmlformats.org/presentationml/2006/main">
   <p:cSld>
     <p:spTree>
@@ -25517,7 +25635,7 @@
 </p:sld>
 </file>
 
-<file path=ppt/slides/slide53.xml><?xml version="1.0" encoding="utf-8"?>
+<file path=ppt/slides/slide54.xml><?xml version="1.0" encoding="utf-8"?>
 <p:sld xmlns:a="http://schemas.openxmlformats.org/drawingml/2006/main" xmlns:r="http://schemas.openxmlformats.org/officeDocument/2006/relationships" xmlns:p="http://schemas.openxmlformats.org/presentationml/2006/main">
   <p:cSld>
     <p:spTree>
@@ -25621,7 +25739,7 @@
 </p:sld>
 </file>
 
-<file path=ppt/slides/slide54.xml><?xml version="1.0" encoding="utf-8"?>
+<file path=ppt/slides/slide55.xml><?xml version="1.0" encoding="utf-8"?>
 <p:sld xmlns:a="http://schemas.openxmlformats.org/drawingml/2006/main" xmlns:r="http://schemas.openxmlformats.org/officeDocument/2006/relationships" xmlns:p="http://schemas.openxmlformats.org/presentationml/2006/main">
   <p:cSld>
     <p:spTree>
@@ -25726,7 +25844,7 @@
 </p:sld>
 </file>
 
-<file path=ppt/slides/slide55.xml><?xml version="1.0" encoding="utf-8"?>
+<file path=ppt/slides/slide56.xml><?xml version="1.0" encoding="utf-8"?>
 <p:sld xmlns:a="http://schemas.openxmlformats.org/drawingml/2006/main" xmlns:r="http://schemas.openxmlformats.org/officeDocument/2006/relationships" xmlns:p="http://schemas.openxmlformats.org/presentationml/2006/main">
   <p:cSld>
     <p:spTree>
@@ -25831,7 +25949,7 @@
 </p:sld>
 </file>
 
-<file path=ppt/slides/slide56.xml><?xml version="1.0" encoding="utf-8"?>
+<file path=ppt/slides/slide57.xml><?xml version="1.0" encoding="utf-8"?>
 <p:sld xmlns:a="http://schemas.openxmlformats.org/drawingml/2006/main" xmlns:r="http://schemas.openxmlformats.org/officeDocument/2006/relationships" xmlns:p="http://schemas.openxmlformats.org/presentationml/2006/main">
   <p:cSld>
     <p:spTree>
@@ -25936,7 +26054,7 @@
 </p:sld>
 </file>
 
-<file path=ppt/slides/slide57.xml><?xml version="1.0" encoding="utf-8"?>
+<file path=ppt/slides/slide58.xml><?xml version="1.0" encoding="utf-8"?>
 <p:sld xmlns:a="http://schemas.openxmlformats.org/drawingml/2006/main" xmlns:r="http://schemas.openxmlformats.org/officeDocument/2006/relationships" xmlns:p="http://schemas.openxmlformats.org/presentationml/2006/main">
   <p:cSld>
     <p:spTree>
@@ -26019,10 +26137,16 @@
           <a:p>
             <a:pPr lvl="1"/>
             <a:r>
+              <a:rPr lang="en-GB" sz="1800" b="1" dirty="0">
+                <a:sym typeface="Wingdings" panose="05000000000000000000" pitchFamily="2" charset="2"/>
+              </a:rPr>
+              <a:t>Implement</a:t>
+            </a:r>
+            <a:r>
               <a:rPr lang="en-GB" sz="1800" dirty="0">
                 <a:sym typeface="Wingdings" panose="05000000000000000000" pitchFamily="2" charset="2"/>
               </a:rPr>
-              <a:t>Implement linear search and binary search</a:t>
+              <a:t> linear search and binary search</a:t>
             </a:r>
           </a:p>
           <a:p>
@@ -26885,7 +27009,13 @@
       </p:grpSpPr>
       <p:sp>
         <p:nvSpPr>
-          <p:cNvPr id="2" name="Title 1"/>
+          <p:cNvPr id="2" name="Titel 1">
+            <a:extLst>
+              <a:ext uri="{FF2B5EF4-FFF2-40B4-BE49-F238E27FC236}">
+                <a16:creationId xmlns:a16="http://schemas.microsoft.com/office/drawing/2014/main" id="{D2444A53-D380-4F91-91C5-07B6C11EDEEA}"/>
+              </a:ext>
+            </a:extLst>
+          </p:cNvPr>
           <p:cNvSpPr>
             <a:spLocks noGrp="1"/>
           </p:cNvSpPr>
@@ -26899,15 +27029,26 @@
           <a:lstStyle/>
           <a:p>
             <a:r>
-              <a:rPr lang="en-GB" dirty="0"/>
-              <a:t>Questions answered by the course</a:t>
-            </a:r>
+              <a:rPr lang="nl-NL" dirty="0"/>
+              <a:t>General </a:t>
+            </a:r>
+            <a:r>
+              <a:rPr lang="nl-NL" dirty="0" err="1"/>
+              <a:t>rules</a:t>
+            </a:r>
+            <a:endParaRPr lang="nl-NL" dirty="0"/>
           </a:p>
         </p:txBody>
       </p:sp>
       <p:sp>
         <p:nvSpPr>
-          <p:cNvPr id="3" name="Content Placeholder 2"/>
+          <p:cNvPr id="3" name="Tijdelijke aanduiding voor inhoud 2">
+            <a:extLst>
+              <a:ext uri="{FF2B5EF4-FFF2-40B4-BE49-F238E27FC236}">
+                <a16:creationId xmlns:a16="http://schemas.microsoft.com/office/drawing/2014/main" id="{C1EB01AF-D7A9-469D-83C9-56C47E857091}"/>
+              </a:ext>
+            </a:extLst>
+          </p:cNvPr>
           <p:cNvSpPr>
             <a:spLocks noGrp="1"/>
           </p:cNvSpPr>
@@ -26917,71 +27058,295 @@
         </p:nvSpPr>
         <p:spPr/>
         <p:txBody>
-          <a:bodyPr>
-            <a:normAutofit/>
-          </a:bodyPr>
+          <a:bodyPr/>
           <a:lstStyle/>
           <a:p>
             <a:r>
-              <a:rPr lang="en-GB" dirty="0"/>
-              <a:t>Why is my code slow? </a:t>
-            </a:r>
+              <a:rPr lang="nl-NL" b="1" dirty="0" err="1">
+                <a:solidFill>
+                  <a:srgbClr val="FF0000"/>
+                </a:solidFill>
+              </a:rPr>
+              <a:t>Attendance</a:t>
+            </a:r>
+            <a:r>
+              <a:rPr lang="nl-NL" b="1" dirty="0">
+                <a:solidFill>
+                  <a:srgbClr val="FF0000"/>
+                </a:solidFill>
+              </a:rPr>
+              <a:t> is NOT </a:t>
+            </a:r>
+            <a:r>
+              <a:rPr lang="nl-NL" b="1" dirty="0" err="1">
+                <a:solidFill>
+                  <a:srgbClr val="FF0000"/>
+                </a:solidFill>
+              </a:rPr>
+              <a:t>mandatory</a:t>
+            </a:r>
+            <a:endParaRPr lang="nl-NL" b="1" dirty="0">
+              <a:solidFill>
+                <a:srgbClr val="FF0000"/>
+              </a:solidFill>
+            </a:endParaRPr>
           </a:p>
           <a:p>
             <a:pPr lvl="1"/>
-            <a:r>
-              <a:rPr lang="en-GB" b="1" dirty="0"/>
-              <a:t>Empirical and complexity analysis</a:t>
-            </a:r>
-            <a:endParaRPr lang="en-GB" dirty="0"/>
-          </a:p>
-          <a:p>
-            <a:r>
-              <a:rPr lang="en-GB" dirty="0"/>
-              <a:t>How do I order my data?</a:t>
+            <a:endParaRPr lang="nl-NL" dirty="0"/>
+          </a:p>
+          <a:p>
+            <a:r>
+              <a:rPr lang="nl-NL" dirty="0" err="1"/>
+              <a:t>If</a:t>
+            </a:r>
+            <a:r>
+              <a:rPr lang="nl-NL" dirty="0"/>
+              <a:t> </a:t>
+            </a:r>
+            <a:r>
+              <a:rPr lang="nl-NL" dirty="0" err="1"/>
+              <a:t>you</a:t>
+            </a:r>
+            <a:r>
+              <a:rPr lang="nl-NL" dirty="0"/>
+              <a:t> are </a:t>
+            </a:r>
+            <a:r>
+              <a:rPr lang="nl-NL" i="1" dirty="0" err="1"/>
+              <a:t>not</a:t>
+            </a:r>
+            <a:r>
+              <a:rPr lang="nl-NL" dirty="0"/>
+              <a:t> </a:t>
+            </a:r>
+            <a:r>
+              <a:rPr lang="nl-NL" dirty="0" err="1"/>
+              <a:t>interested</a:t>
+            </a:r>
+            <a:r>
+              <a:rPr lang="nl-NL" dirty="0"/>
+              <a:t> in </a:t>
+            </a:r>
+            <a:r>
+              <a:rPr lang="nl-NL" dirty="0" err="1"/>
+              <a:t>following</a:t>
+            </a:r>
+            <a:r>
+              <a:rPr lang="nl-NL" dirty="0"/>
+              <a:t> </a:t>
+            </a:r>
+            <a:r>
+              <a:rPr lang="nl-NL" dirty="0" err="1"/>
+              <a:t>the</a:t>
+            </a:r>
+            <a:r>
+              <a:rPr lang="nl-NL" dirty="0"/>
+              <a:t> </a:t>
+            </a:r>
+            <a:r>
+              <a:rPr lang="nl-NL" dirty="0" err="1"/>
+              <a:t>lesson</a:t>
+            </a:r>
+            <a:r>
+              <a:rPr lang="nl-NL" dirty="0"/>
+              <a:t>:</a:t>
             </a:r>
           </a:p>
           <a:p>
             <a:pPr lvl="1"/>
             <a:r>
-              <a:rPr lang="en-GB" b="1" dirty="0"/>
-              <a:t>Sorting algorithms</a:t>
-            </a:r>
-          </a:p>
-          <a:p>
-            <a:r>
-              <a:rPr lang="en-GB" dirty="0"/>
-              <a:t>How do I structure my data?</a:t>
+              <a:rPr lang="nl-NL" dirty="0" err="1"/>
+              <a:t>please</a:t>
+            </a:r>
+            <a:r>
+              <a:rPr lang="nl-NL" dirty="0"/>
+              <a:t> </a:t>
+            </a:r>
+            <a:r>
+              <a:rPr lang="nl-NL" dirty="0" err="1"/>
+              <a:t>leave</a:t>
+            </a:r>
+            <a:r>
+              <a:rPr lang="nl-NL" dirty="0"/>
+              <a:t> </a:t>
+            </a:r>
+            <a:r>
+              <a:rPr lang="nl-NL" dirty="0" err="1"/>
+              <a:t>the</a:t>
+            </a:r>
+            <a:r>
+              <a:rPr lang="nl-NL" dirty="0"/>
+              <a:t> room</a:t>
+            </a:r>
+          </a:p>
+          <a:p>
+            <a:r>
+              <a:rPr lang="nl-NL" dirty="0"/>
+              <a:t>Else:</a:t>
             </a:r>
           </a:p>
           <a:p>
             <a:pPr lvl="1"/>
             <a:r>
-              <a:rPr lang="en-GB" b="1" dirty="0"/>
-              <a:t>Linear, tabular, recursive data structures</a:t>
-            </a:r>
-          </a:p>
-          <a:p>
-            <a:r>
-              <a:rPr lang="en-GB" dirty="0"/>
-              <a:t>How do I represent relationship networks?</a:t>
+              <a:rPr lang="nl-NL" dirty="0" err="1"/>
+              <a:t>sit</a:t>
+            </a:r>
+            <a:r>
+              <a:rPr lang="nl-NL" dirty="0"/>
+              <a:t> at </a:t>
+            </a:r>
+            <a:r>
+              <a:rPr lang="nl-NL" dirty="0" err="1"/>
+              <a:t>the</a:t>
+            </a:r>
+            <a:r>
+              <a:rPr lang="nl-NL" dirty="0"/>
+              <a:t> front of </a:t>
+            </a:r>
+            <a:r>
+              <a:rPr lang="nl-NL" dirty="0" err="1"/>
+              <a:t>the</a:t>
+            </a:r>
+            <a:r>
+              <a:rPr lang="nl-NL" dirty="0"/>
+              <a:t> room</a:t>
             </a:r>
           </a:p>
           <a:p>
             <a:pPr lvl="1"/>
             <a:r>
-              <a:rPr lang="en-GB" b="1" dirty="0"/>
-              <a:t>Graphs</a:t>
-            </a:r>
-          </a:p>
-          <a:p>
-            <a:endParaRPr lang="en-GB" dirty="0"/>
+              <a:rPr lang="nl-NL" b="1" dirty="0" err="1"/>
+              <a:t>be</a:t>
+            </a:r>
+            <a:r>
+              <a:rPr lang="nl-NL" b="1" dirty="0"/>
+              <a:t> </a:t>
+            </a:r>
+            <a:r>
+              <a:rPr lang="nl-NL" b="1" dirty="0" err="1"/>
+              <a:t>silent</a:t>
+            </a:r>
+            <a:r>
+              <a:rPr lang="nl-NL" b="1" dirty="0"/>
+              <a:t> </a:t>
+            </a:r>
+            <a:r>
+              <a:rPr lang="nl-NL" dirty="0" err="1"/>
+              <a:t>while</a:t>
+            </a:r>
+            <a:r>
+              <a:rPr lang="nl-NL" dirty="0"/>
+              <a:t> </a:t>
+            </a:r>
+            <a:r>
+              <a:rPr lang="nl-NL" dirty="0" err="1"/>
+              <a:t>the</a:t>
+            </a:r>
+            <a:r>
+              <a:rPr lang="nl-NL" dirty="0"/>
+              <a:t> teacher is </a:t>
+            </a:r>
+            <a:r>
+              <a:rPr lang="nl-NL" dirty="0" err="1"/>
+              <a:t>talking</a:t>
+            </a:r>
+            <a:endParaRPr lang="nl-NL" dirty="0"/>
+          </a:p>
+          <a:p>
+            <a:pPr lvl="1"/>
+            <a:r>
+              <a:rPr lang="nl-NL" dirty="0" err="1"/>
+              <a:t>participate</a:t>
+            </a:r>
+            <a:r>
+              <a:rPr lang="nl-NL" dirty="0"/>
+              <a:t> </a:t>
+            </a:r>
+            <a:r>
+              <a:rPr lang="nl-NL" b="1" dirty="0" err="1"/>
+              <a:t>actively</a:t>
+            </a:r>
+            <a:r>
+              <a:rPr lang="nl-NL" b="1" dirty="0"/>
+              <a:t> </a:t>
+            </a:r>
+            <a:r>
+              <a:rPr lang="nl-NL" dirty="0" err="1"/>
+              <a:t>to</a:t>
+            </a:r>
+            <a:r>
+              <a:rPr lang="nl-NL" dirty="0"/>
+              <a:t> </a:t>
+            </a:r>
+            <a:r>
+              <a:rPr lang="nl-NL" dirty="0" err="1"/>
+              <a:t>the</a:t>
+            </a:r>
+            <a:r>
+              <a:rPr lang="nl-NL" dirty="0"/>
+              <a:t> </a:t>
+            </a:r>
+            <a:r>
+              <a:rPr lang="nl-NL" dirty="0" err="1"/>
+              <a:t>lesson</a:t>
+            </a:r>
+            <a:endParaRPr lang="nl-NL" dirty="0"/>
+          </a:p>
+          <a:p>
+            <a:pPr lvl="2"/>
+            <a:r>
+              <a:rPr lang="nl-NL" b="1" dirty="0" err="1"/>
+              <a:t>answer</a:t>
+            </a:r>
+            <a:r>
+              <a:rPr lang="nl-NL" b="1" dirty="0"/>
+              <a:t> </a:t>
+            </a:r>
+            <a:r>
+              <a:rPr lang="nl-NL" dirty="0" err="1"/>
+              <a:t>when</a:t>
+            </a:r>
+            <a:r>
+              <a:rPr lang="nl-NL" dirty="0"/>
+              <a:t> </a:t>
+            </a:r>
+            <a:r>
+              <a:rPr lang="nl-NL" dirty="0" err="1"/>
+              <a:t>questions</a:t>
+            </a:r>
+            <a:r>
+              <a:rPr lang="nl-NL" dirty="0"/>
+              <a:t> are </a:t>
+            </a:r>
+            <a:r>
+              <a:rPr lang="nl-NL" dirty="0" err="1"/>
+              <a:t>asked</a:t>
+            </a:r>
+            <a:endParaRPr lang="nl-NL" dirty="0"/>
+          </a:p>
+          <a:p>
+            <a:pPr lvl="1"/>
+            <a:r>
+              <a:rPr lang="nl-NL" dirty="0" err="1"/>
+              <a:t>give</a:t>
+            </a:r>
+            <a:r>
+              <a:rPr lang="nl-NL" dirty="0"/>
+              <a:t> feedback</a:t>
+            </a:r>
           </a:p>
         </p:txBody>
       </p:sp>
       <p:sp>
         <p:nvSpPr>
-          <p:cNvPr id="4" name="Footer Placeholder 3"/>
+          <p:cNvPr id="4" name="Tijdelijke aanduiding voor voettekst 3">
+            <a:extLst>
+              <a:ext uri="{FF2B5EF4-FFF2-40B4-BE49-F238E27FC236}">
+                <a16:creationId xmlns:a16="http://schemas.microsoft.com/office/drawing/2014/main" id="{E9CEE47B-2276-4C9B-860A-F85376E25B7D}"/>
+              </a:ext>
+            </a:extLst>
+          </p:cNvPr>
           <p:cNvSpPr>
             <a:spLocks noGrp="1"/>
           </p:cNvSpPr>
@@ -27002,16 +27367,395 @@
           </a:p>
         </p:txBody>
       </p:sp>
+      <p:pic>
+        <p:nvPicPr>
+          <p:cNvPr id="1026" name="Picture 2" descr="Related image">
+            <a:extLst>
+              <a:ext uri="{FF2B5EF4-FFF2-40B4-BE49-F238E27FC236}">
+                <a16:creationId xmlns:a16="http://schemas.microsoft.com/office/drawing/2014/main" id="{00F4D91C-F949-42EA-B2B8-EDA444587256}"/>
+              </a:ext>
+            </a:extLst>
+          </p:cNvPr>
+          <p:cNvPicPr>
+            <a:picLocks noChangeAspect="1" noChangeArrowheads="1"/>
+          </p:cNvPicPr>
+          <p:nvPr/>
+        </p:nvPicPr>
+        <p:blipFill>
+          <a:blip r:embed="rId2" cstate="print">
+            <a:extLst>
+              <a:ext uri="{28A0092B-C50C-407E-A947-70E740481C1C}">
+                <a14:useLocalDpi xmlns:a14="http://schemas.microsoft.com/office/drawing/2010/main" val="0"/>
+              </a:ext>
+            </a:extLst>
+          </a:blip>
+          <a:srcRect/>
+          <a:stretch>
+            <a:fillRect/>
+          </a:stretch>
+        </p:blipFill>
+        <p:spPr bwMode="auto">
+          <a:xfrm>
+            <a:off x="6096000" y="591279"/>
+            <a:ext cx="3325338" cy="3138620"/>
+          </a:xfrm>
+          <a:prstGeom prst="rect">
+            <a:avLst/>
+          </a:prstGeom>
+          <a:noFill/>
+          <a:extLst>
+            <a:ext uri="{909E8E84-426E-40DD-AFC4-6F175D3DCCD1}">
+              <a14:hiddenFill xmlns:a14="http://schemas.microsoft.com/office/drawing/2010/main">
+                <a:solidFill>
+                  <a:srgbClr val="FFFFFF"/>
+                </a:solidFill>
+              </a14:hiddenFill>
+            </a:ext>
+          </a:extLst>
+        </p:spPr>
+      </p:pic>
     </p:spTree>
     <p:extLst>
       <p:ext uri="{BB962C8B-B14F-4D97-AF65-F5344CB8AC3E}">
-        <p14:creationId xmlns:p14="http://schemas.microsoft.com/office/powerpoint/2010/main" val="4265259471"/>
+        <p14:creationId xmlns:p14="http://schemas.microsoft.com/office/powerpoint/2010/main" val="560562155"/>
       </p:ext>
     </p:extLst>
   </p:cSld>
   <p:clrMapOvr>
     <a:masterClrMapping/>
   </p:clrMapOvr>
+  <p:timing>
+    <p:tnLst>
+      <p:par>
+        <p:cTn id="1" dur="indefinite" restart="never" nodeType="tmRoot">
+          <p:childTnLst>
+            <p:seq concurrent="1" nextAc="seek">
+              <p:cTn id="2" dur="indefinite" nodeType="mainSeq">
+                <p:childTnLst>
+                  <p:par>
+                    <p:cTn id="3" fill="hold">
+                      <p:stCondLst>
+                        <p:cond delay="indefinite"/>
+                      </p:stCondLst>
+                      <p:childTnLst>
+                        <p:par>
+                          <p:cTn id="4" fill="hold">
+                            <p:stCondLst>
+                              <p:cond delay="0"/>
+                            </p:stCondLst>
+                            <p:childTnLst>
+                              <p:par>
+                                <p:cTn id="5" presetID="1" presetClass="entr" presetSubtype="0" fill="hold" nodeType="clickEffect">
+                                  <p:stCondLst>
+                                    <p:cond delay="0"/>
+                                  </p:stCondLst>
+                                  <p:childTnLst>
+                                    <p:set>
+                                      <p:cBhvr>
+                                        <p:cTn id="6" dur="1" fill="hold">
+                                          <p:stCondLst>
+                                            <p:cond delay="0"/>
+                                          </p:stCondLst>
+                                        </p:cTn>
+                                        <p:tgtEl>
+                                          <p:spTgt spid="3">
+                                            <p:txEl>
+                                              <p:pRg st="2" end="2"/>
+                                            </p:txEl>
+                                          </p:spTgt>
+                                        </p:tgtEl>
+                                        <p:attrNameLst>
+                                          <p:attrName>style.visibility</p:attrName>
+                                        </p:attrNameLst>
+                                      </p:cBhvr>
+                                      <p:to>
+                                        <p:strVal val="visible"/>
+                                      </p:to>
+                                    </p:set>
+                                  </p:childTnLst>
+                                </p:cTn>
+                              </p:par>
+                              <p:par>
+                                <p:cTn id="7" presetID="1" presetClass="entr" presetSubtype="0" fill="hold" nodeType="withEffect">
+                                  <p:stCondLst>
+                                    <p:cond delay="0"/>
+                                  </p:stCondLst>
+                                  <p:childTnLst>
+                                    <p:set>
+                                      <p:cBhvr>
+                                        <p:cTn id="8" dur="1" fill="hold">
+                                          <p:stCondLst>
+                                            <p:cond delay="0"/>
+                                          </p:stCondLst>
+                                        </p:cTn>
+                                        <p:tgtEl>
+                                          <p:spTgt spid="3">
+                                            <p:txEl>
+                                              <p:pRg st="4" end="4"/>
+                                            </p:txEl>
+                                          </p:spTgt>
+                                        </p:tgtEl>
+                                        <p:attrNameLst>
+                                          <p:attrName>style.visibility</p:attrName>
+                                        </p:attrNameLst>
+                                      </p:cBhvr>
+                                      <p:to>
+                                        <p:strVal val="visible"/>
+                                      </p:to>
+                                    </p:set>
+                                  </p:childTnLst>
+                                </p:cTn>
+                              </p:par>
+                            </p:childTnLst>
+                          </p:cTn>
+                        </p:par>
+                      </p:childTnLst>
+                    </p:cTn>
+                  </p:par>
+                  <p:par>
+                    <p:cTn id="9" fill="hold">
+                      <p:stCondLst>
+                        <p:cond delay="indefinite"/>
+                      </p:stCondLst>
+                      <p:childTnLst>
+                        <p:par>
+                          <p:cTn id="10" fill="hold">
+                            <p:stCondLst>
+                              <p:cond delay="0"/>
+                            </p:stCondLst>
+                            <p:childTnLst>
+                              <p:par>
+                                <p:cTn id="11" presetID="1" presetClass="entr" presetSubtype="0" fill="hold" nodeType="clickEffect">
+                                  <p:stCondLst>
+                                    <p:cond delay="0"/>
+                                  </p:stCondLst>
+                                  <p:childTnLst>
+                                    <p:set>
+                                      <p:cBhvr>
+                                        <p:cTn id="12" dur="1" fill="hold">
+                                          <p:stCondLst>
+                                            <p:cond delay="0"/>
+                                          </p:stCondLst>
+                                        </p:cTn>
+                                        <p:tgtEl>
+                                          <p:spTgt spid="3">
+                                            <p:txEl>
+                                              <p:pRg st="3" end="3"/>
+                                            </p:txEl>
+                                          </p:spTgt>
+                                        </p:tgtEl>
+                                        <p:attrNameLst>
+                                          <p:attrName>style.visibility</p:attrName>
+                                        </p:attrNameLst>
+                                      </p:cBhvr>
+                                      <p:to>
+                                        <p:strVal val="visible"/>
+                                      </p:to>
+                                    </p:set>
+                                  </p:childTnLst>
+                                </p:cTn>
+                              </p:par>
+                            </p:childTnLst>
+                          </p:cTn>
+                        </p:par>
+                      </p:childTnLst>
+                    </p:cTn>
+                  </p:par>
+                  <p:par>
+                    <p:cTn id="13" fill="hold">
+                      <p:stCondLst>
+                        <p:cond delay="indefinite"/>
+                      </p:stCondLst>
+                      <p:childTnLst>
+                        <p:par>
+                          <p:cTn id="14" fill="hold">
+                            <p:stCondLst>
+                              <p:cond delay="0"/>
+                            </p:stCondLst>
+                            <p:childTnLst>
+                              <p:par>
+                                <p:cTn id="15" presetID="1" presetClass="entr" presetSubtype="0" fill="hold" nodeType="clickEffect">
+                                  <p:stCondLst>
+                                    <p:cond delay="0"/>
+                                  </p:stCondLst>
+                                  <p:childTnLst>
+                                    <p:set>
+                                      <p:cBhvr>
+                                        <p:cTn id="16" dur="1" fill="hold">
+                                          <p:stCondLst>
+                                            <p:cond delay="0"/>
+                                          </p:stCondLst>
+                                        </p:cTn>
+                                        <p:tgtEl>
+                                          <p:spTgt spid="3">
+                                            <p:txEl>
+                                              <p:pRg st="5" end="5"/>
+                                            </p:txEl>
+                                          </p:spTgt>
+                                        </p:tgtEl>
+                                        <p:attrNameLst>
+                                          <p:attrName>style.visibility</p:attrName>
+                                        </p:attrNameLst>
+                                      </p:cBhvr>
+                                      <p:to>
+                                        <p:strVal val="visible"/>
+                                      </p:to>
+                                    </p:set>
+                                  </p:childTnLst>
+                                </p:cTn>
+                              </p:par>
+                              <p:par>
+                                <p:cTn id="17" presetID="1" presetClass="entr" presetSubtype="0" fill="hold" nodeType="withEffect">
+                                  <p:stCondLst>
+                                    <p:cond delay="0"/>
+                                  </p:stCondLst>
+                                  <p:childTnLst>
+                                    <p:set>
+                                      <p:cBhvr>
+                                        <p:cTn id="18" dur="1" fill="hold">
+                                          <p:stCondLst>
+                                            <p:cond delay="0"/>
+                                          </p:stCondLst>
+                                        </p:cTn>
+                                        <p:tgtEl>
+                                          <p:spTgt spid="3">
+                                            <p:txEl>
+                                              <p:pRg st="6" end="6"/>
+                                            </p:txEl>
+                                          </p:spTgt>
+                                        </p:tgtEl>
+                                        <p:attrNameLst>
+                                          <p:attrName>style.visibility</p:attrName>
+                                        </p:attrNameLst>
+                                      </p:cBhvr>
+                                      <p:to>
+                                        <p:strVal val="visible"/>
+                                      </p:to>
+                                    </p:set>
+                                  </p:childTnLst>
+                                </p:cTn>
+                              </p:par>
+                              <p:par>
+                                <p:cTn id="19" presetID="1" presetClass="entr" presetSubtype="0" fill="hold" nodeType="withEffect">
+                                  <p:stCondLst>
+                                    <p:cond delay="0"/>
+                                  </p:stCondLst>
+                                  <p:childTnLst>
+                                    <p:set>
+                                      <p:cBhvr>
+                                        <p:cTn id="20" dur="1" fill="hold">
+                                          <p:stCondLst>
+                                            <p:cond delay="0"/>
+                                          </p:stCondLst>
+                                        </p:cTn>
+                                        <p:tgtEl>
+                                          <p:spTgt spid="3">
+                                            <p:txEl>
+                                              <p:pRg st="7" end="7"/>
+                                            </p:txEl>
+                                          </p:spTgt>
+                                        </p:tgtEl>
+                                        <p:attrNameLst>
+                                          <p:attrName>style.visibility</p:attrName>
+                                        </p:attrNameLst>
+                                      </p:cBhvr>
+                                      <p:to>
+                                        <p:strVal val="visible"/>
+                                      </p:to>
+                                    </p:set>
+                                  </p:childTnLst>
+                                </p:cTn>
+                              </p:par>
+                              <p:par>
+                                <p:cTn id="21" presetID="1" presetClass="entr" presetSubtype="0" fill="hold" nodeType="withEffect">
+                                  <p:stCondLst>
+                                    <p:cond delay="0"/>
+                                  </p:stCondLst>
+                                  <p:childTnLst>
+                                    <p:set>
+                                      <p:cBhvr>
+                                        <p:cTn id="22" dur="1" fill="hold">
+                                          <p:stCondLst>
+                                            <p:cond delay="0"/>
+                                          </p:stCondLst>
+                                        </p:cTn>
+                                        <p:tgtEl>
+                                          <p:spTgt spid="3">
+                                            <p:txEl>
+                                              <p:pRg st="8" end="8"/>
+                                            </p:txEl>
+                                          </p:spTgt>
+                                        </p:tgtEl>
+                                        <p:attrNameLst>
+                                          <p:attrName>style.visibility</p:attrName>
+                                        </p:attrNameLst>
+                                      </p:cBhvr>
+                                      <p:to>
+                                        <p:strVal val="visible"/>
+                                      </p:to>
+                                    </p:set>
+                                  </p:childTnLst>
+                                </p:cTn>
+                              </p:par>
+                              <p:par>
+                                <p:cTn id="23" presetID="1" presetClass="entr" presetSubtype="0" fill="hold" nodeType="withEffect">
+                                  <p:stCondLst>
+                                    <p:cond delay="0"/>
+                                  </p:stCondLst>
+                                  <p:childTnLst>
+                                    <p:set>
+                                      <p:cBhvr>
+                                        <p:cTn id="24" dur="1" fill="hold">
+                                          <p:stCondLst>
+                                            <p:cond delay="0"/>
+                                          </p:stCondLst>
+                                        </p:cTn>
+                                        <p:tgtEl>
+                                          <p:spTgt spid="3">
+                                            <p:txEl>
+                                              <p:pRg st="9" end="9"/>
+                                            </p:txEl>
+                                          </p:spTgt>
+                                        </p:tgtEl>
+                                        <p:attrNameLst>
+                                          <p:attrName>style.visibility</p:attrName>
+                                        </p:attrNameLst>
+                                      </p:cBhvr>
+                                      <p:to>
+                                        <p:strVal val="visible"/>
+                                      </p:to>
+                                    </p:set>
+                                  </p:childTnLst>
+                                </p:cTn>
+                              </p:par>
+                            </p:childTnLst>
+                          </p:cTn>
+                        </p:par>
+                      </p:childTnLst>
+                    </p:cTn>
+                  </p:par>
+                </p:childTnLst>
+              </p:cTn>
+              <p:prevCondLst>
+                <p:cond evt="onPrev" delay="0">
+                  <p:tgtEl>
+                    <p:sldTgt/>
+                  </p:tgtEl>
+                </p:cond>
+              </p:prevCondLst>
+              <p:nextCondLst>
+                <p:cond evt="onNext" delay="0">
+                  <p:tgtEl>
+                    <p:sldTgt/>
+                  </p:tgtEl>
+                </p:cond>
+              </p:nextCondLst>
+            </p:seq>
+          </p:childTnLst>
+        </p:cTn>
+      </p:par>
+    </p:tnLst>
+  </p:timing>
 </p:sld>
 </file>
 
@@ -27049,7 +27793,7 @@
           <a:p>
             <a:r>
               <a:rPr lang="en-GB" dirty="0"/>
-              <a:t>Today</a:t>
+              <a:t>Questions answered by the course</a:t>
             </a:r>
           </a:p>
         </p:txBody>
@@ -27072,29 +27816,17 @@
           <a:lstStyle/>
           <a:p>
             <a:r>
-              <a:rPr lang="en-GB" dirty="0">
-                <a:solidFill>
-                  <a:schemeClr val="accent1"/>
-                </a:solidFill>
-              </a:rPr>
+              <a:rPr lang="en-GB" dirty="0"/>
               <a:t>Why is my code slow? </a:t>
             </a:r>
           </a:p>
           <a:p>
             <a:pPr lvl="1"/>
             <a:r>
-              <a:rPr lang="en-GB" b="1" dirty="0">
-                <a:solidFill>
-                  <a:schemeClr val="accent1"/>
-                </a:solidFill>
-              </a:rPr>
+              <a:rPr lang="en-GB" b="1" dirty="0"/>
               <a:t>Empirical and complexity analysis</a:t>
             </a:r>
-            <a:endParaRPr lang="en-GB" dirty="0">
-              <a:solidFill>
-                <a:schemeClr val="accent1"/>
-              </a:solidFill>
-            </a:endParaRPr>
+            <a:endParaRPr lang="en-GB" dirty="0"/>
           </a:p>
           <a:p>
             <a:r>
@@ -27166,7 +27898,7 @@
     </p:spTree>
     <p:extLst>
       <p:ext uri="{BB962C8B-B14F-4D97-AF65-F5344CB8AC3E}">
-        <p14:creationId xmlns:p14="http://schemas.microsoft.com/office/powerpoint/2010/main" val="3005854515"/>
+        <p14:creationId xmlns:p14="http://schemas.microsoft.com/office/powerpoint/2010/main" val="4265259471"/>
       </p:ext>
     </p:extLst>
   </p:cSld>
@@ -27195,7 +27927,7 @@
       </p:grpSpPr>
       <p:sp>
         <p:nvSpPr>
-          <p:cNvPr id="2" name="Titel 1"/>
+          <p:cNvPr id="2" name="Title 1"/>
           <p:cNvSpPr>
             <a:spLocks noGrp="1"/>
           </p:cNvSpPr>
@@ -27209,23 +27941,15 @@
           <a:lstStyle/>
           <a:p>
             <a:r>
-              <a:rPr lang="nl-NL" dirty="0"/>
-              <a:t>More </a:t>
-            </a:r>
-            <a:r>
-              <a:rPr lang="nl-NL" dirty="0" err="1"/>
-              <a:t>detailed</a:t>
-            </a:r>
-            <a:r>
-              <a:rPr lang="nl-NL" dirty="0"/>
-              <a:t> agenda</a:t>
+              <a:rPr lang="en-GB" dirty="0"/>
+              <a:t>Today</a:t>
             </a:r>
           </a:p>
         </p:txBody>
       </p:sp>
       <p:sp>
         <p:nvSpPr>
-          <p:cNvPr id="3" name="Tijdelijke aanduiding voor inhoud 2"/>
+          <p:cNvPr id="3" name="Content Placeholder 2"/>
           <p:cNvSpPr>
             <a:spLocks noGrp="1"/>
           </p:cNvSpPr>
@@ -27235,101 +27959,83 @@
         </p:nvSpPr>
         <p:spPr/>
         <p:txBody>
-          <a:bodyPr/>
+          <a:bodyPr>
+            <a:normAutofit/>
+          </a:bodyPr>
           <a:lstStyle/>
           <a:p>
             <a:r>
-              <a:rPr lang="nl-NL" dirty="0"/>
-              <a:t>Intro</a:t>
+              <a:rPr lang="en-GB" dirty="0">
+                <a:solidFill>
+                  <a:schemeClr val="accent1"/>
+                </a:solidFill>
+              </a:rPr>
+              <a:t>Why is my code slow? </a:t>
             </a:r>
           </a:p>
           <a:p>
             <a:pPr lvl="1"/>
             <a:r>
-              <a:rPr lang="nl-NL" dirty="0" err="1"/>
-              <a:t>Recap</a:t>
-            </a:r>
-            <a:r>
-              <a:rPr lang="nl-NL" dirty="0"/>
-              <a:t> on arrays </a:t>
+              <a:rPr lang="en-GB" b="1" dirty="0">
+                <a:solidFill>
+                  <a:schemeClr val="accent1"/>
+                </a:solidFill>
+              </a:rPr>
+              <a:t>Empirical and complexity analysis</a:t>
+            </a:r>
+            <a:endParaRPr lang="en-GB" dirty="0">
+              <a:solidFill>
+                <a:schemeClr val="accent1"/>
+              </a:solidFill>
+            </a:endParaRPr>
+          </a:p>
+          <a:p>
+            <a:r>
+              <a:rPr lang="en-GB" dirty="0"/>
+              <a:t>How do I order my data?</a:t>
             </a:r>
           </a:p>
           <a:p>
             <a:pPr lvl="1"/>
             <a:r>
-              <a:rPr lang="nl-NL" dirty="0" err="1"/>
-              <a:t>Our</a:t>
-            </a:r>
-            <a:r>
-              <a:rPr lang="nl-NL" dirty="0"/>
-              <a:t> first (</a:t>
-            </a:r>
-            <a:r>
-              <a:rPr lang="nl-NL" dirty="0" err="1"/>
-              <a:t>simple</a:t>
-            </a:r>
-            <a:r>
-              <a:rPr lang="nl-NL" dirty="0"/>
-              <a:t>) </a:t>
-            </a:r>
-            <a:r>
-              <a:rPr lang="nl-NL" dirty="0" err="1"/>
-              <a:t>algorithms</a:t>
-            </a:r>
-            <a:r>
-              <a:rPr lang="nl-NL" dirty="0"/>
-              <a:t>, operating on arrays</a:t>
-            </a:r>
-          </a:p>
-          <a:p>
-            <a:r>
-              <a:rPr lang="nl-NL" dirty="0"/>
-              <a:t>How </a:t>
-            </a:r>
-            <a:r>
-              <a:rPr lang="nl-NL" dirty="0" err="1"/>
-              <a:t>to</a:t>
-            </a:r>
-            <a:r>
-              <a:rPr lang="nl-NL" dirty="0"/>
-              <a:t> </a:t>
-            </a:r>
-            <a:r>
-              <a:rPr lang="nl-NL" dirty="0" err="1"/>
-              <a:t>measure</a:t>
-            </a:r>
-            <a:r>
-              <a:rPr lang="nl-NL" dirty="0"/>
-              <a:t> performance</a:t>
+              <a:rPr lang="en-GB" b="1" dirty="0"/>
+              <a:t>Sorting algorithms</a:t>
+            </a:r>
+          </a:p>
+          <a:p>
+            <a:r>
+              <a:rPr lang="en-GB" dirty="0"/>
+              <a:t>How do I structure my data?</a:t>
             </a:r>
           </a:p>
           <a:p>
             <a:pPr lvl="1"/>
             <a:r>
-              <a:rPr lang="nl-NL" dirty="0" err="1"/>
-              <a:t>Empirical</a:t>
-            </a:r>
-            <a:r>
-              <a:rPr lang="nl-NL" dirty="0"/>
-              <a:t> analysis</a:t>
+              <a:rPr lang="en-GB" b="1" dirty="0"/>
+              <a:t>Linear, tabular, recursive data structures</a:t>
+            </a:r>
+          </a:p>
+          <a:p>
+            <a:r>
+              <a:rPr lang="en-GB" dirty="0"/>
+              <a:t>How do I represent relationship networks?</a:t>
             </a:r>
           </a:p>
           <a:p>
             <a:pPr lvl="1"/>
             <a:r>
-              <a:rPr lang="nl-NL" dirty="0" err="1"/>
-              <a:t>Complexity</a:t>
-            </a:r>
-            <a:r>
-              <a:rPr lang="nl-NL" dirty="0"/>
-              <a:t> analysis</a:t>
-            </a:r>
+              <a:rPr lang="en-GB" b="1" dirty="0"/>
+              <a:t>Graphs</a:t>
+            </a:r>
+          </a:p>
+          <a:p>
+            <a:endParaRPr lang="en-GB" dirty="0"/>
           </a:p>
         </p:txBody>
       </p:sp>
       <p:sp>
         <p:nvSpPr>
-          <p:cNvPr id="4" name="Tijdelijke aanduiding voor voettekst 3"/>
+          <p:cNvPr id="4" name="Footer Placeholder 3"/>
           <p:cNvSpPr>
             <a:spLocks noGrp="1"/>
           </p:cNvSpPr>
@@ -27353,7 +28059,7 @@
     </p:spTree>
     <p:extLst>
       <p:ext uri="{BB962C8B-B14F-4D97-AF65-F5344CB8AC3E}">
-        <p14:creationId xmlns:p14="http://schemas.microsoft.com/office/powerpoint/2010/main" val="553652381"/>
+        <p14:creationId xmlns:p14="http://schemas.microsoft.com/office/powerpoint/2010/main" val="3005854515"/>
       </p:ext>
     </p:extLst>
   </p:cSld>

--- a/Lesson slides/Unit 1 - Intro, array, complexity.pptx
+++ b/Lesson slides/Unit 1 - Intro, array, complexity.pptx
@@ -11970,7 +11970,7 @@
           <a:p>
             <a:r>
               <a:rPr lang="en-GB" dirty="0"/>
-              <a:t>Language for assignments (and practical exam)</a:t>
+              <a:t>Language for practical exam</a:t>
             </a:r>
           </a:p>
           <a:p>
@@ -24733,8 +24733,8 @@
           </a:p>
         </p:txBody>
       </p:sp>
-      <mc:AlternateContent xmlns:mc="http://schemas.openxmlformats.org/markup-compatibility/2006">
-        <mc:Choice xmlns:a14="http://schemas.microsoft.com/office/drawing/2010/main" Requires="a14">
+      <mc:AlternateContent xmlns:mc="http://schemas.openxmlformats.org/markup-compatibility/2006" xmlns:a14="http://schemas.microsoft.com/office/drawing/2010/main">
+        <mc:Choice Requires="a14">
           <p:sp>
             <p:nvSpPr>
               <p:cNvPr id="3" name="Content Placeholder 2"/>
@@ -24861,7 +24861,7 @@
             </p:txBody>
           </p:sp>
         </mc:Choice>
-        <mc:Fallback>
+        <mc:Fallback xmlns="">
           <p:sp>
             <p:nvSpPr>
               <p:cNvPr id="3" name="Content Placeholder 2"/>
